--- a/Final Project.pptx
+++ b/Final Project.pptx
@@ -980,6 +980,347 @@
 </file>
 
 <file path=ppt/notesSlides/notesSlide11.xml><?xml version="1.0" encoding="utf-8"?>
+<p:notes xmlns:a="http://schemas.openxmlformats.org/drawingml/2006/main" xmlns:r="http://schemas.openxmlformats.org/officeDocument/2006/relationships" xmlns:p="http://schemas.openxmlformats.org/presentationml/2006/main">
+  <p:cSld>
+    <p:spTree>
+      <p:nvGrpSpPr>
+        <p:cNvPr id="1" name=""/>
+        <p:cNvGrpSpPr/>
+        <p:nvPr/>
+      </p:nvGrpSpPr>
+      <p:grpSpPr>
+        <a:xfrm>
+          <a:off x="0" y="0"/>
+          <a:ext cx="0" cy="0"/>
+          <a:chOff x="0" y="0"/>
+          <a:chExt cx="0" cy="0"/>
+        </a:xfrm>
+      </p:grpSpPr>
+      <p:sp>
+        <p:nvSpPr>
+          <p:cNvPr id="2" name="Slide Image Placeholder 1"/>
+          <p:cNvSpPr>
+            <a:spLocks noGrp="1" noRot="1" noChangeAspect="1"/>
+          </p:cNvSpPr>
+          <p:nvPr>
+            <p:ph type="sldImg"/>
+          </p:nvPr>
+        </p:nvSpPr>
+        <p:spPr/>
+      </p:sp>
+      <p:sp>
+        <p:nvSpPr>
+          <p:cNvPr id="3" name="Notes Placeholder 2"/>
+          <p:cNvSpPr>
+            <a:spLocks noGrp="1"/>
+          </p:cNvSpPr>
+          <p:nvPr>
+            <p:ph type="body" idx="1"/>
+          </p:nvPr>
+        </p:nvSpPr>
+        <p:spPr/>
+        <p:txBody>
+          <a:bodyPr/>
+          <a:lstStyle/>
+          <a:p>
+            <a:pPr marL="0" marR="0" lvl="0" indent="0" algn="r" defTabSz="914400" rtl="1" eaLnBrk="1" fontAlgn="auto" latinLnBrk="1" hangingPunct="1">
+              <a:lnSpc>
+                <a:spcPct val="100000"/>
+              </a:lnSpc>
+              <a:spcBef>
+                <a:spcPts val="0"/>
+              </a:spcBef>
+              <a:spcAft>
+                <a:spcPts val="0"/>
+              </a:spcAft>
+              <a:buClrTx/>
+              <a:buSzTx/>
+              <a:buFontTx/>
+              <a:buNone/>
+              <a:tabLst/>
+              <a:defRPr/>
+            </a:pPr>
+            <a:r>
+              <a:rPr lang="he-IL" dirty="0"/>
+              <a:t>אך רגע לפני קבלת התוצאה נבצע שלב אחרון של וידוי אמינות של כלל המשתתפים.</a:t>
+            </a:r>
+          </a:p>
+          <a:p>
+            <a:pPr algn="r" rtl="1"/>
+            <a:r>
+              <a:rPr lang="he-IL" dirty="0"/>
+              <a:t>נזכיר ששמרנו את כל הפלטים </a:t>
+            </a:r>
+            <a:r>
+              <a:rPr lang="he-IL" dirty="0" err="1"/>
+              <a:t>והקלטים</a:t>
+            </a:r>
+            <a:r>
+              <a:rPr lang="he-IL" dirty="0"/>
+              <a:t> של כל שער מכפלה מתחילת חישוב המעגל ועד סופו.</a:t>
+            </a:r>
+          </a:p>
+          <a:p>
+            <a:pPr algn="r" rtl="1"/>
+            <a:r>
+              <a:rPr lang="he-IL" dirty="0"/>
+              <a:t>שלב </a:t>
+            </a:r>
+            <a:r>
+              <a:rPr lang="he-IL" dirty="0" err="1"/>
+              <a:t>הורפיקציה</a:t>
+            </a:r>
+            <a:r>
+              <a:rPr lang="he-IL" dirty="0"/>
+              <a:t> מתבצע אף הוא בצורה מבוזרת ע"י כל אחד מן המשתתפים במקביל.</a:t>
+            </a:r>
+          </a:p>
+          <a:p>
+            <a:pPr algn="r" rtl="1"/>
+            <a:endParaRPr lang="en-US" dirty="0"/>
+          </a:p>
+          <a:p>
+            <a:pPr algn="r" rtl="1"/>
+            <a:r>
+              <a:rPr lang="he-IL" dirty="0"/>
+              <a:t>המוודא מחזיק </a:t>
+            </a:r>
+            <a:r>
+              <a:rPr lang="he-IL" dirty="0" err="1"/>
+              <a:t>בוקטור</a:t>
+            </a:r>
+            <a:r>
+              <a:rPr lang="he-IL" dirty="0"/>
+              <a:t> המתואר לפניכם עבור כל שער מכפלה. </a:t>
+            </a:r>
+            <a:r>
+              <a:rPr lang="he-IL" dirty="0" err="1"/>
+              <a:t>הוקטור</a:t>
+            </a:r>
+            <a:r>
+              <a:rPr lang="he-IL" dirty="0"/>
+              <a:t> מורכב משני ה</a:t>
+            </a:r>
+            <a:r>
+              <a:rPr lang="en-US" dirty="0"/>
+              <a:t>shares</a:t>
+            </a:r>
+            <a:r>
+              <a:rPr lang="he-IL" dirty="0"/>
+              <a:t> שהוזנו לשער, מהמספר הרנדומלי(</a:t>
+            </a:r>
+            <a:r>
+              <a:rPr lang="en-US" dirty="0"/>
+              <a:t>collated randomness</a:t>
+            </a:r>
+            <a:r>
+              <a:rPr lang="he-IL" dirty="0"/>
+              <a:t>) ומחתיכה של תוצאת המכפלה.</a:t>
+            </a:r>
+          </a:p>
+          <a:p>
+            <a:pPr algn="r" rtl="1"/>
+            <a:r>
+              <a:rPr lang="he-IL" dirty="0"/>
+              <a:t>המוודא מקבל משני המשתתפים האחרים את הפרמטרים המוצגים </a:t>
+            </a:r>
+            <a:r>
+              <a:rPr lang="he-IL" dirty="0" err="1"/>
+              <a:t>בוקטור</a:t>
+            </a:r>
+            <a:r>
+              <a:rPr lang="he-IL" dirty="0"/>
+              <a:t> ובמידה המידע שקיבל נכון המשוואה המוצגת תתקיים. אחרת מישהו מהמשתתפים שיקר במהלך הפרוטוקול. ניתן לזהות מי שיקר ע"י השוואת הערכים שקיבל עם הערכים שהוא עצמו חישב.</a:t>
+            </a:r>
+          </a:p>
+        </p:txBody>
+      </p:sp>
+      <p:sp>
+        <p:nvSpPr>
+          <p:cNvPr id="4" name="Slide Number Placeholder 3"/>
+          <p:cNvSpPr>
+            <a:spLocks noGrp="1"/>
+          </p:cNvSpPr>
+          <p:nvPr>
+            <p:ph type="sldNum" sz="quarter" idx="5"/>
+          </p:nvPr>
+        </p:nvSpPr>
+        <p:spPr/>
+        <p:txBody>
+          <a:bodyPr/>
+          <a:lstStyle/>
+          <a:p>
+            <a:fld id="{4262991A-D88A-415F-AA3F-DF12C52C61BF}" type="slidenum">
+              <a:rPr lang="ko-KR" altLang="en-US" smtClean="0"/>
+              <a:t>11</a:t>
+            </a:fld>
+            <a:endParaRPr lang="ko-KR" altLang="en-US"/>
+          </a:p>
+        </p:txBody>
+      </p:sp>
+    </p:spTree>
+    <p:extLst>
+      <p:ext uri="{BB962C8B-B14F-4D97-AF65-F5344CB8AC3E}">
+        <p14:creationId xmlns:p14="http://schemas.microsoft.com/office/powerpoint/2010/main" val="883582793"/>
+      </p:ext>
+    </p:extLst>
+  </p:cSld>
+  <p:clrMapOvr>
+    <a:masterClrMapping/>
+  </p:clrMapOvr>
+</p:notes>
+</file>
+
+<file path=ppt/notesSlides/notesSlide12.xml><?xml version="1.0" encoding="utf-8"?>
+<p:notes xmlns:a="http://schemas.openxmlformats.org/drawingml/2006/main" xmlns:r="http://schemas.openxmlformats.org/officeDocument/2006/relationships" xmlns:p="http://schemas.openxmlformats.org/presentationml/2006/main">
+  <p:cSld>
+    <p:spTree>
+      <p:nvGrpSpPr>
+        <p:cNvPr id="1" name=""/>
+        <p:cNvGrpSpPr/>
+        <p:nvPr/>
+      </p:nvGrpSpPr>
+      <p:grpSpPr>
+        <a:xfrm>
+          <a:off x="0" y="0"/>
+          <a:ext cx="0" cy="0"/>
+          <a:chOff x="0" y="0"/>
+          <a:chExt cx="0" cy="0"/>
+        </a:xfrm>
+      </p:grpSpPr>
+      <p:sp>
+        <p:nvSpPr>
+          <p:cNvPr id="2" name="Slide Image Placeholder 1"/>
+          <p:cNvSpPr>
+            <a:spLocks noGrp="1" noRot="1" noChangeAspect="1"/>
+          </p:cNvSpPr>
+          <p:nvPr>
+            <p:ph type="sldImg"/>
+          </p:nvPr>
+        </p:nvSpPr>
+        <p:spPr/>
+      </p:sp>
+      <p:sp>
+        <p:nvSpPr>
+          <p:cNvPr id="3" name="Notes Placeholder 2"/>
+          <p:cNvSpPr>
+            <a:spLocks noGrp="1"/>
+          </p:cNvSpPr>
+          <p:nvPr>
+            <p:ph type="body" idx="1"/>
+          </p:nvPr>
+        </p:nvSpPr>
+        <p:spPr/>
+        <p:txBody>
+          <a:bodyPr/>
+          <a:lstStyle/>
+          <a:p>
+            <a:pPr algn="r" rtl="1"/>
+            <a:r>
+              <a:rPr lang="he-IL" dirty="0"/>
+              <a:t>בנוסף למימוש הפשוט מוצג במאמר מימוש מתוחכם יותר שמאפשר הורדה משמעותית של התקשורת במהלך שלב </a:t>
+            </a:r>
+            <a:r>
+              <a:rPr lang="he-IL" dirty="0" err="1"/>
+              <a:t>הוידוי</a:t>
+            </a:r>
+            <a:r>
+              <a:rPr lang="he-IL" dirty="0"/>
+              <a:t>.</a:t>
+            </a:r>
+          </a:p>
+          <a:p>
+            <a:pPr algn="r" rtl="1"/>
+            <a:r>
+              <a:rPr lang="he-IL" dirty="0"/>
+              <a:t>מימוש זה מחולק ל3 שלבים:</a:t>
+            </a:r>
+          </a:p>
+          <a:p>
+            <a:pPr algn="r" rtl="1"/>
+            <a:r>
+              <a:rPr lang="he-IL" dirty="0"/>
+              <a:t>השלב הראשון הוא ייצוג </a:t>
+            </a:r>
+            <a:r>
+              <a:rPr lang="he-IL" dirty="0" err="1"/>
+              <a:t>הקלטים</a:t>
+            </a:r>
+            <a:r>
+              <a:rPr lang="he-IL" dirty="0"/>
+              <a:t> ופלטים של שער מכפלה בעזרת פולינומים </a:t>
+            </a:r>
+            <a:r>
+              <a:rPr lang="en-US" dirty="0"/>
+              <a:t>(f1…f6)</a:t>
+            </a:r>
+            <a:r>
+              <a:rPr lang="he-IL" dirty="0"/>
+              <a:t> כאשר האיבר החופשי בהם הוא מספר רנדומלי. בנוסף לפולינומים אלו אנו בונים פולינום נוסף </a:t>
+            </a:r>
+            <a:r>
+              <a:rPr lang="en-US" dirty="0"/>
+              <a:t>P</a:t>
+            </a:r>
+            <a:r>
+              <a:rPr lang="he-IL" dirty="0"/>
+              <a:t> המייצג את התוצאה של כל שער מכפלה במעגל.</a:t>
+            </a:r>
+          </a:p>
+          <a:p>
+            <a:pPr algn="r" rtl="1"/>
+            <a:r>
+              <a:rPr lang="he-IL" dirty="0"/>
+              <a:t>לבסוף המוודא שולח את כל המספרים האקראיים ואת </a:t>
+            </a:r>
+            <a:r>
+              <a:rPr lang="en-US" dirty="0"/>
+              <a:t>P</a:t>
+            </a:r>
+            <a:r>
+              <a:rPr lang="he-IL" dirty="0"/>
+              <a:t> לשאר המשתתפים. הם בודקים שהמשוואה שדיברנו עליה קודם לכן מתקיימת. אם המשוואה מתקיימת המשתתפים משתפים ביניהם את תוצאת המעגל ובמידה והמשוואה לא מתקיימת עוצרים את הפרוטוקול.</a:t>
+            </a:r>
+          </a:p>
+        </p:txBody>
+      </p:sp>
+      <p:sp>
+        <p:nvSpPr>
+          <p:cNvPr id="4" name="Slide Number Placeholder 3"/>
+          <p:cNvSpPr>
+            <a:spLocks noGrp="1"/>
+          </p:cNvSpPr>
+          <p:nvPr>
+            <p:ph type="sldNum" sz="quarter" idx="5"/>
+          </p:nvPr>
+        </p:nvSpPr>
+        <p:spPr/>
+        <p:txBody>
+          <a:bodyPr/>
+          <a:lstStyle/>
+          <a:p>
+            <a:fld id="{4262991A-D88A-415F-AA3F-DF12C52C61BF}" type="slidenum">
+              <a:rPr lang="ko-KR" altLang="en-US" smtClean="0"/>
+              <a:t>12</a:t>
+            </a:fld>
+            <a:endParaRPr lang="ko-KR" altLang="en-US"/>
+          </a:p>
+        </p:txBody>
+      </p:sp>
+    </p:spTree>
+    <p:extLst>
+      <p:ext uri="{BB962C8B-B14F-4D97-AF65-F5344CB8AC3E}">
+        <p14:creationId xmlns:p14="http://schemas.microsoft.com/office/powerpoint/2010/main" val="3177511907"/>
+      </p:ext>
+    </p:extLst>
+  </p:cSld>
+  <p:clrMapOvr>
+    <a:masterClrMapping/>
+  </p:clrMapOvr>
+</p:notes>
+</file>
+
+<file path=ppt/notesSlides/notesSlide13.xml><?xml version="1.0" encoding="utf-8"?>
 <p:notes xmlns:a="http://schemas.openxmlformats.org/drawingml/2006/main" xmlns:r="http://schemas.openxmlformats.org/officeDocument/2006/relationships" xmlns:p="http://schemas.openxmlformats.org/presentationml/2006/main">
   <p:cSld>
     <p:spTree>
@@ -2241,6 +2582,10 @@
           </a:p>
           <a:p>
             <a:pPr algn="r" rtl="1"/>
+            <a:endParaRPr lang="he-IL" dirty="0"/>
+          </a:p>
+          <a:p>
+            <a:pPr algn="r" rtl="1"/>
             <a:r>
               <a:rPr lang="he-IL" dirty="0"/>
               <a:t>לבסוף, כל משתתף לוקח את המספר שקיבל ומחבר לו את שני החלקים של </a:t>
@@ -2650,7 +2995,15 @@
             </a:r>
             <a:r>
               <a:rPr lang="he-IL" dirty="0"/>
-              <a:t> שנמצא ברשותו. נצטרך את התוצאות של כל שער מכפלה בשלב האחרון של וידוי אמינות.</a:t>
+              <a:t> שנמצא ברשותו. נצטרך את הפלטים </a:t>
+            </a:r>
+            <a:r>
+              <a:rPr lang="he-IL" dirty="0" err="1"/>
+              <a:t>והקלטים</a:t>
+            </a:r>
+            <a:r>
+              <a:rPr lang="he-IL" dirty="0"/>
+              <a:t> של כל שער מכפלה בשלב האחרון של וידוי אמינות.</a:t>
             </a:r>
             <a:endParaRPr lang="LID4096" dirty="0"/>
           </a:p>
@@ -9232,8 +9585,8 @@
           </a:p>
         </p:txBody>
       </p:sp>
-      <mc:AlternateContent xmlns:mc="http://schemas.openxmlformats.org/markup-compatibility/2006" xmlns:a14="http://schemas.microsoft.com/office/drawing/2010/main">
-        <mc:Choice Requires="a14">
+      <mc:AlternateContent xmlns:mc="http://schemas.openxmlformats.org/markup-compatibility/2006">
+        <mc:Choice xmlns:a14="http://schemas.microsoft.com/office/drawing/2010/main" Requires="a14">
           <p:sp>
             <p:nvSpPr>
               <p:cNvPr id="18" name="TextBox 17">
@@ -9249,7 +9602,7 @@
             <p:spPr>
               <a:xfrm>
                 <a:off x="467544" y="915566"/>
-                <a:ext cx="7920880" cy="3400226"/>
+                <a:ext cx="7920880" cy="3769558"/>
               </a:xfrm>
               <a:prstGeom prst="rect">
                 <a:avLst/>
@@ -9279,47 +9632,8 @@
                     <a:latin typeface="Segoe UI" panose="020B0502040204020203" pitchFamily="34" charset="0"/>
                     <a:cs typeface="Segoe UI" panose="020B0502040204020203" pitchFamily="34" charset="0"/>
                   </a:rPr>
-                  <a:t>This stage is necessary before reconstructing the output of the C circuit.</a:t>
+                  <a:t>There is a simple way, this functionality checks that is no corrupted party by checking all the inputs from other parties to the Multiplication gates.</a:t>
                 </a:r>
-              </a:p>
-              <a:p>
-                <a:pPr marL="171450" indent="-171450">
-                  <a:lnSpc>
-                    <a:spcPct val="150000"/>
-                  </a:lnSpc>
-                  <a:buFont typeface="Arial" panose="020B0604020202020204" pitchFamily="34" charset="0"/>
-                  <a:buChar char="•"/>
-                </a:pPr>
-                <a:r>
-                  <a:rPr lang="en-US" altLang="ko-KR" sz="1600" dirty="0">
-                    <a:solidFill>
-                      <a:schemeClr val="tx2">
-                        <a:lumMod val="75000"/>
-                      </a:schemeClr>
-                    </a:solidFill>
-                    <a:latin typeface="Segoe UI" panose="020B0502040204020203" pitchFamily="34" charset="0"/>
-                    <a:cs typeface="Segoe UI" panose="020B0502040204020203" pitchFamily="34" charset="0"/>
-                  </a:rPr>
-                  <a:t>There is a naïve way, this functionality checks that is no corrupted party by checking all the inputs from other parties to the Multiplication gates.</a:t>
-                </a:r>
-              </a:p>
-              <a:p>
-                <a:pPr marL="171450" indent="-171450">
-                  <a:lnSpc>
-                    <a:spcPct val="150000"/>
-                  </a:lnSpc>
-                  <a:buFont typeface="Arial" panose="020B0604020202020204" pitchFamily="34" charset="0"/>
-                  <a:buChar char="•"/>
-                </a:pPr>
-                <a:endParaRPr lang="en-US" altLang="ko-KR" sz="1600" dirty="0">
-                  <a:solidFill>
-                    <a:schemeClr val="tx2">
-                      <a:lumMod val="75000"/>
-                    </a:schemeClr>
-                  </a:solidFill>
-                  <a:latin typeface="Segoe UI" panose="020B0502040204020203" pitchFamily="34" charset="0"/>
-                  <a:cs typeface="Segoe UI" panose="020B0502040204020203" pitchFamily="34" charset="0"/>
-                </a:endParaRPr>
               </a:p>
               <a:p>
                 <a:pPr marL="171450" indent="-171450">
@@ -9944,27 +10258,6 @@
                 </a:r>
               </a:p>
               <a:p>
-                <a:pPr marL="171450" indent="-171450">
-                  <a:lnSpc>
-                    <a:spcPct val="150000"/>
-                  </a:lnSpc>
-                  <a:buFont typeface="Arial" panose="020B0604020202020204" pitchFamily="34" charset="0"/>
-                  <a:buChar char="•"/>
-                </a:pPr>
-                <a:r>
-                  <a:rPr lang="en-US" altLang="ko-KR" sz="1600" dirty="0">
-                    <a:solidFill>
-                      <a:schemeClr val="tx2">
-                        <a:lumMod val="75000"/>
-                      </a:schemeClr>
-                    </a:solidFill>
-                    <a:latin typeface="Segoe UI" panose="020B0502040204020203" pitchFamily="34" charset="0"/>
-                    <a:cs typeface="Segoe UI" panose="020B0502040204020203" pitchFamily="34" charset="0"/>
-                  </a:rPr>
-                  <a:t>And send it to the verifier.</a:t>
-                </a:r>
-              </a:p>
-              <a:p>
                 <a:pPr>
                   <a:lnSpc>
                     <a:spcPct val="150000"/>
@@ -9980,146 +10273,6 @@
                   <a:cs typeface="Segoe UI" panose="020B0502040204020203" pitchFamily="34" charset="0"/>
                 </a:endParaRPr>
               </a:p>
-            </p:txBody>
-          </p:sp>
-        </mc:Choice>
-        <mc:Fallback xmlns="">
-          <p:sp>
-            <p:nvSpPr>
-              <p:cNvPr id="18" name="TextBox 17">
-                <a:extLst>
-                  <a:ext uri="{FF2B5EF4-FFF2-40B4-BE49-F238E27FC236}">
-                    <a16:creationId xmlns:a16="http://schemas.microsoft.com/office/drawing/2014/main" id="{E1468E8D-3153-4B8E-BA02-3EE69457D88C}"/>
-                  </a:ext>
-                </a:extLst>
-              </p:cNvPr>
-              <p:cNvSpPr txBox="1">
-                <a:spLocks noRot="1" noChangeAspect="1" noMove="1" noResize="1" noEditPoints="1" noAdjustHandles="1" noChangeArrowheads="1" noChangeShapeType="1" noTextEdit="1"/>
-              </p:cNvSpPr>
-              <p:nvPr/>
-            </p:nvSpPr>
-            <p:spPr>
-              <a:xfrm>
-                <a:off x="467544" y="915566"/>
-                <a:ext cx="7920880" cy="3400226"/>
-              </a:xfrm>
-              <a:prstGeom prst="rect">
-                <a:avLst/>
-              </a:prstGeom>
-              <a:blipFill>
-                <a:blip r:embed="rId2"/>
-                <a:stretch>
-                  <a:fillRect l="-308"/>
-                </a:stretch>
-              </a:blipFill>
-            </p:spPr>
-            <p:txBody>
-              <a:bodyPr/>
-              <a:lstStyle/>
-              <a:p>
-                <a:r>
-                  <a:rPr lang="LID4096">
-                    <a:noFill/>
-                  </a:rPr>
-                  <a:t> </a:t>
-                </a:r>
-              </a:p>
-            </p:txBody>
-          </p:sp>
-        </mc:Fallback>
-      </mc:AlternateContent>
-    </p:spTree>
-    <p:extLst>
-      <p:ext uri="{BB962C8B-B14F-4D97-AF65-F5344CB8AC3E}">
-        <p14:creationId xmlns:p14="http://schemas.microsoft.com/office/powerpoint/2010/main" val="538739855"/>
-      </p:ext>
-    </p:extLst>
-  </p:cSld>
-  <p:clrMapOvr>
-    <a:masterClrMapping/>
-  </p:clrMapOvr>
-</p:sld>
-</file>
-
-<file path=ppt/slides/slide12.xml><?xml version="1.0" encoding="utf-8"?>
-<p:sld xmlns:a="http://schemas.openxmlformats.org/drawingml/2006/main" xmlns:r="http://schemas.openxmlformats.org/officeDocument/2006/relationships" xmlns:p="http://schemas.openxmlformats.org/presentationml/2006/main">
-  <p:cSld>
-    <p:spTree>
-      <p:nvGrpSpPr>
-        <p:cNvPr id="1" name=""/>
-        <p:cNvGrpSpPr/>
-        <p:nvPr/>
-      </p:nvGrpSpPr>
-      <p:grpSpPr>
-        <a:xfrm>
-          <a:off x="0" y="0"/>
-          <a:ext cx="0" cy="0"/>
-          <a:chOff x="0" y="0"/>
-          <a:chExt cx="0" cy="0"/>
-        </a:xfrm>
-      </p:grpSpPr>
-      <p:sp>
-        <p:nvSpPr>
-          <p:cNvPr id="2" name="Text Placeholder 1">
-            <a:extLst>
-              <a:ext uri="{FF2B5EF4-FFF2-40B4-BE49-F238E27FC236}">
-                <a16:creationId xmlns:a16="http://schemas.microsoft.com/office/drawing/2014/main" id="{94EBC595-303E-44C5-BA2F-50054B3EBF82}"/>
-              </a:ext>
-            </a:extLst>
-          </p:cNvPr>
-          <p:cNvSpPr>
-            <a:spLocks noGrp="1"/>
-          </p:cNvSpPr>
-          <p:nvPr>
-            <p:ph type="body" sz="quarter" idx="10"/>
-          </p:nvPr>
-        </p:nvSpPr>
-        <p:spPr/>
-        <p:txBody>
-          <a:bodyPr/>
-          <a:lstStyle/>
-          <a:p>
-            <a:r>
-              <a:rPr lang="en-US" altLang="ko-KR" dirty="0">
-                <a:solidFill>
-                  <a:schemeClr val="bg2"/>
-                </a:solidFill>
-              </a:rPr>
-              <a:t>Verification Process</a:t>
-            </a:r>
-            <a:endParaRPr lang="he-IL" dirty="0"/>
-          </a:p>
-        </p:txBody>
-      </p:sp>
-      <mc:AlternateContent xmlns:mc="http://schemas.openxmlformats.org/markup-compatibility/2006" xmlns:a14="http://schemas.microsoft.com/office/drawing/2010/main">
-        <mc:Choice Requires="a14">
-          <p:sp>
-            <p:nvSpPr>
-              <p:cNvPr id="3" name="TextBox 2">
-                <a:extLst>
-                  <a:ext uri="{FF2B5EF4-FFF2-40B4-BE49-F238E27FC236}">
-                    <a16:creationId xmlns:a16="http://schemas.microsoft.com/office/drawing/2014/main" id="{2705061F-C0AD-489B-A8CE-C0120E70E622}"/>
-                  </a:ext>
-                </a:extLst>
-              </p:cNvPr>
-              <p:cNvSpPr txBox="1"/>
-              <p:nvPr/>
-            </p:nvSpPr>
-            <p:spPr>
-              <a:xfrm>
-                <a:off x="143508" y="909756"/>
-                <a:ext cx="8856984" cy="3323987"/>
-              </a:xfrm>
-              <a:prstGeom prst="rect">
-                <a:avLst/>
-              </a:prstGeom>
-              <a:noFill/>
-            </p:spPr>
-            <p:txBody>
-              <a:bodyPr wrap="square" rtlCol="0">
-                <a:spAutoFit/>
-              </a:bodyPr>
-              <a:lstStyle/>
               <a:p>
                 <a:pPr marL="171450" indent="-171450">
                   <a:lnSpc>
@@ -11097,45 +11250,177 @@
                 </a:r>
               </a:p>
               <a:p>
-                <a:pPr lvl="1">
+                <a:pPr>
                   <a:lnSpc>
                     <a:spcPct val="150000"/>
                   </a:lnSpc>
                 </a:pPr>
-                <a:r>
-                  <a:rPr lang="en-US" altLang="ko-KR" sz="1600" dirty="0">
-                    <a:solidFill>
-                      <a:schemeClr val="tx2">
-                        <a:lumMod val="75000"/>
-                      </a:schemeClr>
-                    </a:solidFill>
-                    <a:latin typeface="Segoe UI" panose="020B0502040204020203" pitchFamily="34" charset="0"/>
-                    <a:cs typeface="Segoe UI" panose="020B0502040204020203" pitchFamily="34" charset="0"/>
-                  </a:rPr>
-                  <a:t>*</a:t>
-                </a:r>
+                <a:endParaRPr lang="en-US" altLang="ko-KR" sz="1600" dirty="0">
+                  <a:solidFill>
+                    <a:schemeClr val="tx2">
+                      <a:lumMod val="75000"/>
+                    </a:schemeClr>
+                  </a:solidFill>
+                  <a:latin typeface="Segoe UI" panose="020B0502040204020203" pitchFamily="34" charset="0"/>
+                  <a:cs typeface="Segoe UI" panose="020B0502040204020203" pitchFamily="34" charset="0"/>
+                </a:endParaRPr>
               </a:p>
               <a:p>
-                <a:pPr marL="285750" indent="-285750">
+                <a:pPr>
                   <a:lnSpc>
                     <a:spcPct val="150000"/>
                   </a:lnSpc>
-                  <a:buFont typeface="Arial" panose="020B0604020202020204" pitchFamily="34" charset="0"/>
-                  <a:buChar char="•"/>
                 </a:pPr>
+                <a:endParaRPr lang="en-US" altLang="ko-KR" sz="1600" dirty="0">
+                  <a:solidFill>
+                    <a:schemeClr val="tx2">
+                      <a:lumMod val="75000"/>
+                    </a:schemeClr>
+                  </a:solidFill>
+                  <a:latin typeface="Segoe UI" panose="020B0502040204020203" pitchFamily="34" charset="0"/>
+                  <a:cs typeface="Segoe UI" panose="020B0502040204020203" pitchFamily="34" charset="0"/>
+                </a:endParaRPr>
+              </a:p>
+            </p:txBody>
+          </p:sp>
+        </mc:Choice>
+        <mc:Fallback>
+          <p:sp>
+            <p:nvSpPr>
+              <p:cNvPr id="18" name="TextBox 17">
+                <a:extLst>
+                  <a:ext uri="{FF2B5EF4-FFF2-40B4-BE49-F238E27FC236}">
+                    <a16:creationId xmlns:a16="http://schemas.microsoft.com/office/drawing/2014/main" id="{E1468E8D-3153-4B8E-BA02-3EE69457D88C}"/>
+                  </a:ext>
+                </a:extLst>
+              </p:cNvPr>
+              <p:cNvSpPr txBox="1">
+                <a:spLocks noRot="1" noChangeAspect="1" noMove="1" noResize="1" noEditPoints="1" noAdjustHandles="1" noChangeArrowheads="1" noChangeShapeType="1" noTextEdit="1"/>
+              </p:cNvSpPr>
+              <p:nvPr/>
+            </p:nvSpPr>
+            <p:spPr>
+              <a:xfrm>
+                <a:off x="467544" y="915566"/>
+                <a:ext cx="7920880" cy="3769558"/>
+              </a:xfrm>
+              <a:prstGeom prst="rect">
+                <a:avLst/>
+              </a:prstGeom>
+              <a:blipFill>
+                <a:blip r:embed="rId3"/>
+                <a:stretch>
+                  <a:fillRect l="-308"/>
+                </a:stretch>
+              </a:blipFill>
+            </p:spPr>
+            <p:txBody>
+              <a:bodyPr/>
+              <a:lstStyle/>
+              <a:p>
                 <a:r>
-                  <a:rPr lang="en-US" altLang="ko-KR" sz="1600" dirty="0">
-                    <a:solidFill>
-                      <a:schemeClr val="tx2">
-                        <a:lumMod val="75000"/>
-                      </a:schemeClr>
-                    </a:solidFill>
-                    <a:latin typeface="Segoe UI" panose="020B0502040204020203" pitchFamily="34" charset="0"/>
-                    <a:cs typeface="Segoe UI" panose="020B0502040204020203" pitchFamily="34" charset="0"/>
+                  <a:rPr lang="he-IL">
+                    <a:noFill/>
                   </a:rPr>
-                  <a:t>It’s a lot of communication..</a:t>
+                  <a:t> </a:t>
                 </a:r>
               </a:p>
+            </p:txBody>
+          </p:sp>
+        </mc:Fallback>
+      </mc:AlternateContent>
+    </p:spTree>
+    <p:extLst>
+      <p:ext uri="{BB962C8B-B14F-4D97-AF65-F5344CB8AC3E}">
+        <p14:creationId xmlns:p14="http://schemas.microsoft.com/office/powerpoint/2010/main" val="538739855"/>
+      </p:ext>
+    </p:extLst>
+  </p:cSld>
+  <p:clrMapOvr>
+    <a:masterClrMapping/>
+  </p:clrMapOvr>
+</p:sld>
+</file>
+
+<file path=ppt/slides/slide12.xml><?xml version="1.0" encoding="utf-8"?>
+<p:sld xmlns:a="http://schemas.openxmlformats.org/drawingml/2006/main" xmlns:r="http://schemas.openxmlformats.org/officeDocument/2006/relationships" xmlns:p="http://schemas.openxmlformats.org/presentationml/2006/main">
+  <p:cSld>
+    <p:spTree>
+      <p:nvGrpSpPr>
+        <p:cNvPr id="1" name=""/>
+        <p:cNvGrpSpPr/>
+        <p:nvPr/>
+      </p:nvGrpSpPr>
+      <p:grpSpPr>
+        <a:xfrm>
+          <a:off x="0" y="0"/>
+          <a:ext cx="0" cy="0"/>
+          <a:chOff x="0" y="0"/>
+          <a:chExt cx="0" cy="0"/>
+        </a:xfrm>
+      </p:grpSpPr>
+      <p:sp>
+        <p:nvSpPr>
+          <p:cNvPr id="2" name="Text Placeholder 1">
+            <a:extLst>
+              <a:ext uri="{FF2B5EF4-FFF2-40B4-BE49-F238E27FC236}">
+                <a16:creationId xmlns:a16="http://schemas.microsoft.com/office/drawing/2014/main" id="{94EBC595-303E-44C5-BA2F-50054B3EBF82}"/>
+              </a:ext>
+            </a:extLst>
+          </p:cNvPr>
+          <p:cNvSpPr>
+            <a:spLocks noGrp="1"/>
+          </p:cNvSpPr>
+          <p:nvPr>
+            <p:ph type="body" sz="quarter" idx="10"/>
+          </p:nvPr>
+        </p:nvSpPr>
+        <p:spPr/>
+        <p:txBody>
+          <a:bodyPr/>
+          <a:lstStyle/>
+          <a:p>
+            <a:r>
+              <a:rPr lang="en-US" altLang="ko-KR" dirty="0">
+                <a:solidFill>
+                  <a:schemeClr val="bg2"/>
+                </a:solidFill>
+              </a:rPr>
+              <a:t>Verification Process</a:t>
+            </a:r>
+            <a:endParaRPr lang="he-IL" dirty="0"/>
+          </a:p>
+        </p:txBody>
+      </p:sp>
+      <mc:AlternateContent xmlns:mc="http://schemas.openxmlformats.org/markup-compatibility/2006">
+        <mc:Choice xmlns:a14="http://schemas.microsoft.com/office/drawing/2010/main" Requires="a14">
+          <p:sp>
+            <p:nvSpPr>
+              <p:cNvPr id="3" name="TextBox 2">
+                <a:extLst>
+                  <a:ext uri="{FF2B5EF4-FFF2-40B4-BE49-F238E27FC236}">
+                    <a16:creationId xmlns:a16="http://schemas.microsoft.com/office/drawing/2014/main" id="{2705061F-C0AD-489B-A8CE-C0120E70E622}"/>
+                  </a:ext>
+                </a:extLst>
+              </p:cNvPr>
+              <p:cNvSpPr txBox="1"/>
+              <p:nvPr/>
+            </p:nvSpPr>
+            <p:spPr>
+              <a:xfrm>
+                <a:off x="143508" y="909756"/>
+                <a:ext cx="8856984" cy="2954655"/>
+              </a:xfrm>
+              <a:prstGeom prst="rect">
+                <a:avLst/>
+              </a:prstGeom>
+              <a:noFill/>
+            </p:spPr>
+            <p:txBody>
+              <a:bodyPr wrap="square" rtlCol="0">
+                <a:spAutoFit/>
+              </a:bodyPr>
+              <a:lstStyle/>
               <a:p>
                 <a:pPr marL="285750" indent="-285750">
                   <a:lnSpc>
@@ -11200,12 +11485,1003 @@
                 </a:r>
               </a:p>
               <a:p>
+                <a:pPr marL="285750" indent="-285750">
+                  <a:lnSpc>
+                    <a:spcPct val="150000"/>
+                  </a:lnSpc>
+                  <a:buFont typeface="Arial" panose="020B0604020202020204" pitchFamily="34" charset="0"/>
+                  <a:buChar char="•"/>
+                </a:pPr>
+                <a:endParaRPr lang="en-US" altLang="ko-KR" sz="1600" dirty="0">
+                  <a:solidFill>
+                    <a:schemeClr val="tx2">
+                      <a:lumMod val="75000"/>
+                    </a:schemeClr>
+                  </a:solidFill>
+                  <a:latin typeface="Segoe UI" panose="020B0502040204020203" pitchFamily="34" charset="0"/>
+                  <a:cs typeface="Segoe UI" panose="020B0502040204020203" pitchFamily="34" charset="0"/>
+                </a:endParaRPr>
+              </a:p>
+              <a:p>
+                <a:pPr marL="285750" indent="-285750">
+                  <a:lnSpc>
+                    <a:spcPct val="150000"/>
+                  </a:lnSpc>
+                  <a:buFont typeface="Arial" panose="020B0604020202020204" pitchFamily="34" charset="0"/>
+                  <a:buChar char="•"/>
+                </a:pPr>
+                <a:r>
+                  <a:rPr lang="en-US" altLang="ko-KR" sz="1600" dirty="0">
+                    <a:solidFill>
+                      <a:schemeClr val="tx2">
+                        <a:lumMod val="75000"/>
+                      </a:schemeClr>
+                    </a:solidFill>
+                    <a:latin typeface="Segoe UI" panose="020B0502040204020203" pitchFamily="34" charset="0"/>
+                    <a:cs typeface="Segoe UI" panose="020B0502040204020203" pitchFamily="34" charset="0"/>
+                  </a:rPr>
+                  <a:t>C</a:t>
+                </a:r>
+                <a:r>
+                  <a:rPr lang="en-US" altLang="ko-KR" sz="1600" dirty="0">
+                    <a:solidFill>
+                      <a:schemeClr val="tx2">
+                        <a:lumMod val="75000"/>
+                      </a:schemeClr>
+                    </a:solidFill>
+                  </a:rPr>
+                  <a:t> </a:t>
+                </a:r>
+                <a14:m>
+                  <m:oMath xmlns:m="http://schemas.openxmlformats.org/officeDocument/2006/math">
+                    <m:sSub>
+                      <m:sSubPr>
+                        <m:ctrlPr>
+                          <a:rPr lang="en-US" altLang="ko-KR" sz="1600" i="1">
+                            <a:solidFill>
+                              <a:schemeClr val="tx2">
+                                <a:lumMod val="75000"/>
+                              </a:schemeClr>
+                            </a:solidFill>
+                            <a:latin typeface="Cambria Math" panose="02040503050406030204" pitchFamily="18" charset="0"/>
+                          </a:rPr>
+                        </m:ctrlPr>
+                      </m:sSubPr>
+                      <m:e>
+                        <m:r>
+                          <a:rPr lang="en-US" altLang="ko-KR" sz="1600" i="1">
+                            <a:solidFill>
+                              <a:schemeClr val="tx2">
+                                <a:lumMod val="75000"/>
+                              </a:schemeClr>
+                            </a:solidFill>
+                            <a:latin typeface="Cambria Math" panose="02040503050406030204" pitchFamily="18" charset="0"/>
+                          </a:rPr>
+                          <m:t>(</m:t>
+                        </m:r>
+                        <m:r>
+                          <a:rPr lang="en-US" altLang="ko-KR" sz="1600" i="1">
+                            <a:solidFill>
+                              <a:schemeClr val="tx2">
+                                <a:lumMod val="75000"/>
+                              </a:schemeClr>
+                            </a:solidFill>
+                            <a:latin typeface="Cambria Math" panose="02040503050406030204" pitchFamily="18" charset="0"/>
+                          </a:rPr>
+                          <m:t>𝑢</m:t>
+                        </m:r>
+                      </m:e>
+                      <m:sub>
+                        <m:r>
+                          <a:rPr lang="en-US" altLang="ko-KR" sz="1600" i="1">
+                            <a:solidFill>
+                              <a:schemeClr val="tx2">
+                                <a:lumMod val="75000"/>
+                              </a:schemeClr>
+                            </a:solidFill>
+                            <a:latin typeface="Cambria Math" panose="02040503050406030204" pitchFamily="18" charset="0"/>
+                          </a:rPr>
+                          <m:t>𝑖</m:t>
+                        </m:r>
+                      </m:sub>
+                    </m:sSub>
+                  </m:oMath>
+                </a14:m>
+                <a:r>
+                  <a:rPr lang="en-US" altLang="ko-KR" sz="1600" dirty="0">
+                    <a:solidFill>
+                      <a:schemeClr val="tx2">
+                        <a:lumMod val="75000"/>
+                      </a:schemeClr>
+                    </a:solidFill>
+                    <a:latin typeface="Segoe UI" panose="020B0502040204020203" pitchFamily="34" charset="0"/>
+                    <a:cs typeface="Segoe UI" panose="020B0502040204020203" pitchFamily="34" charset="0"/>
+                  </a:rPr>
+                  <a:t>,</a:t>
+                </a:r>
+                <a:r>
+                  <a:rPr lang="en-US" altLang="ko-KR" sz="1600" dirty="0">
+                    <a:solidFill>
+                      <a:schemeClr val="tx2">
+                        <a:lumMod val="75000"/>
+                      </a:schemeClr>
+                    </a:solidFill>
+                  </a:rPr>
+                  <a:t> </a:t>
+                </a:r>
+                <a14:m>
+                  <m:oMath xmlns:m="http://schemas.openxmlformats.org/officeDocument/2006/math">
+                    <m:sSub>
+                      <m:sSubPr>
+                        <m:ctrlPr>
+                          <a:rPr lang="en-US" altLang="ko-KR" sz="1600" i="1">
+                            <a:solidFill>
+                              <a:schemeClr val="tx2">
+                                <a:lumMod val="75000"/>
+                              </a:schemeClr>
+                            </a:solidFill>
+                            <a:latin typeface="Cambria Math" panose="02040503050406030204" pitchFamily="18" charset="0"/>
+                          </a:rPr>
+                        </m:ctrlPr>
+                      </m:sSubPr>
+                      <m:e>
+                        <m:r>
+                          <a:rPr lang="en-US" altLang="ko-KR" sz="1600" i="1">
+                            <a:solidFill>
+                              <a:schemeClr val="tx2">
+                                <a:lumMod val="75000"/>
+                              </a:schemeClr>
+                            </a:solidFill>
+                            <a:latin typeface="Cambria Math" panose="02040503050406030204" pitchFamily="18" charset="0"/>
+                          </a:rPr>
+                          <m:t>𝑢</m:t>
+                        </m:r>
+                      </m:e>
+                      <m:sub>
+                        <m:r>
+                          <a:rPr lang="en-US" altLang="ko-KR" sz="1600" i="1">
+                            <a:solidFill>
+                              <a:schemeClr val="tx2">
+                                <a:lumMod val="75000"/>
+                              </a:schemeClr>
+                            </a:solidFill>
+                            <a:latin typeface="Cambria Math" panose="02040503050406030204" pitchFamily="18" charset="0"/>
+                          </a:rPr>
+                          <m:t>𝑖</m:t>
+                        </m:r>
+                        <m:r>
+                          <a:rPr lang="en-US" altLang="ko-KR" sz="1600" i="1">
+                            <a:solidFill>
+                              <a:schemeClr val="tx2">
+                                <a:lumMod val="75000"/>
+                              </a:schemeClr>
+                            </a:solidFill>
+                            <a:latin typeface="Cambria Math" panose="02040503050406030204" pitchFamily="18" charset="0"/>
+                          </a:rPr>
+                          <m:t>−</m:t>
+                        </m:r>
+                        <m:r>
+                          <a:rPr lang="en-US" altLang="ko-KR" sz="1600" i="1">
+                            <a:solidFill>
+                              <a:schemeClr val="tx2">
+                                <a:lumMod val="75000"/>
+                              </a:schemeClr>
+                            </a:solidFill>
+                            <a:latin typeface="Cambria Math" panose="02040503050406030204" pitchFamily="18" charset="0"/>
+                          </a:rPr>
+                          <m:t>1</m:t>
+                        </m:r>
+                      </m:sub>
+                    </m:sSub>
+                    <m:r>
+                      <a:rPr lang="en-US" altLang="ko-KR" sz="1600" i="1">
+                        <a:solidFill>
+                          <a:schemeClr val="tx2">
+                            <a:lumMod val="75000"/>
+                          </a:schemeClr>
+                        </a:solidFill>
+                        <a:latin typeface="Cambria Math" panose="02040503050406030204" pitchFamily="18" charset="0"/>
+                      </a:rPr>
+                      <m:t>,</m:t>
+                    </m:r>
+                    <m:sSub>
+                      <m:sSubPr>
+                        <m:ctrlPr>
+                          <a:rPr lang="en-US" altLang="ko-KR" sz="1600" i="1">
+                            <a:solidFill>
+                              <a:schemeClr val="tx2">
+                                <a:lumMod val="75000"/>
+                              </a:schemeClr>
+                            </a:solidFill>
+                            <a:latin typeface="Cambria Math" panose="02040503050406030204" pitchFamily="18" charset="0"/>
+                          </a:rPr>
+                        </m:ctrlPr>
+                      </m:sSubPr>
+                      <m:e>
+                        <m:r>
+                          <a:rPr lang="en-US" altLang="ko-KR" sz="1600" i="1">
+                            <a:solidFill>
+                              <a:schemeClr val="tx2">
+                                <a:lumMod val="75000"/>
+                              </a:schemeClr>
+                            </a:solidFill>
+                            <a:latin typeface="Cambria Math" panose="02040503050406030204" pitchFamily="18" charset="0"/>
+                          </a:rPr>
+                          <m:t>𝑣</m:t>
+                        </m:r>
+                      </m:e>
+                      <m:sub>
+                        <m:r>
+                          <a:rPr lang="en-US" altLang="ko-KR" sz="1600" i="1">
+                            <a:solidFill>
+                              <a:schemeClr val="tx2">
+                                <a:lumMod val="75000"/>
+                              </a:schemeClr>
+                            </a:solidFill>
+                            <a:latin typeface="Cambria Math" panose="02040503050406030204" pitchFamily="18" charset="0"/>
+                          </a:rPr>
+                          <m:t>𝑖</m:t>
+                        </m:r>
+                      </m:sub>
+                    </m:sSub>
+                  </m:oMath>
+                </a14:m>
+                <a:r>
+                  <a:rPr lang="en-US" altLang="ko-KR" sz="1600" dirty="0">
+                    <a:solidFill>
+                      <a:schemeClr val="tx2">
+                        <a:lumMod val="75000"/>
+                      </a:schemeClr>
+                    </a:solidFill>
+                    <a:latin typeface="Segoe UI" panose="020B0502040204020203" pitchFamily="34" charset="0"/>
+                    <a:cs typeface="Segoe UI" panose="020B0502040204020203" pitchFamily="34" charset="0"/>
+                  </a:rPr>
+                  <a:t>,</a:t>
+                </a:r>
+                <a:r>
+                  <a:rPr lang="en-US" altLang="ko-KR" sz="1600" dirty="0">
+                    <a:solidFill>
+                      <a:schemeClr val="tx2">
+                        <a:lumMod val="75000"/>
+                      </a:schemeClr>
+                    </a:solidFill>
+                  </a:rPr>
+                  <a:t> </a:t>
+                </a:r>
+                <a14:m>
+                  <m:oMath xmlns:m="http://schemas.openxmlformats.org/officeDocument/2006/math">
+                    <m:sSub>
+                      <m:sSubPr>
+                        <m:ctrlPr>
+                          <a:rPr lang="en-US" altLang="ko-KR" sz="1600" i="1">
+                            <a:solidFill>
+                              <a:schemeClr val="tx2">
+                                <a:lumMod val="75000"/>
+                              </a:schemeClr>
+                            </a:solidFill>
+                            <a:latin typeface="Cambria Math" panose="02040503050406030204" pitchFamily="18" charset="0"/>
+                          </a:rPr>
+                        </m:ctrlPr>
+                      </m:sSubPr>
+                      <m:e>
+                        <m:r>
+                          <a:rPr lang="en-US" altLang="ko-KR" sz="1600" i="1">
+                            <a:solidFill>
+                              <a:schemeClr val="tx2">
+                                <a:lumMod val="75000"/>
+                              </a:schemeClr>
+                            </a:solidFill>
+                            <a:latin typeface="Cambria Math" panose="02040503050406030204" pitchFamily="18" charset="0"/>
+                          </a:rPr>
+                          <m:t>𝑣</m:t>
+                        </m:r>
+                      </m:e>
+                      <m:sub>
+                        <m:r>
+                          <a:rPr lang="en-US" altLang="ko-KR" sz="1600" i="1">
+                            <a:solidFill>
+                              <a:schemeClr val="tx2">
+                                <a:lumMod val="75000"/>
+                              </a:schemeClr>
+                            </a:solidFill>
+                            <a:latin typeface="Cambria Math" panose="02040503050406030204" pitchFamily="18" charset="0"/>
+                          </a:rPr>
+                          <m:t>𝑖</m:t>
+                        </m:r>
+                        <m:r>
+                          <a:rPr lang="en-US" altLang="ko-KR" sz="1600" i="1">
+                            <a:solidFill>
+                              <a:schemeClr val="tx2">
+                                <a:lumMod val="75000"/>
+                              </a:schemeClr>
+                            </a:solidFill>
+                            <a:latin typeface="Cambria Math" panose="02040503050406030204" pitchFamily="18" charset="0"/>
+                          </a:rPr>
+                          <m:t>−</m:t>
+                        </m:r>
+                        <m:r>
+                          <a:rPr lang="en-US" altLang="ko-KR" sz="1600" i="1">
+                            <a:solidFill>
+                              <a:schemeClr val="tx2">
+                                <a:lumMod val="75000"/>
+                              </a:schemeClr>
+                            </a:solidFill>
+                            <a:latin typeface="Cambria Math" panose="02040503050406030204" pitchFamily="18" charset="0"/>
+                          </a:rPr>
+                          <m:t>1</m:t>
+                        </m:r>
+                      </m:sub>
+                    </m:sSub>
+                    <m:sSub>
+                      <m:sSubPr>
+                        <m:ctrlPr>
+                          <a:rPr lang="en-US" altLang="ko-KR" sz="1600" i="1" dirty="0">
+                            <a:solidFill>
+                              <a:schemeClr val="tx2">
+                                <a:lumMod val="75000"/>
+                              </a:schemeClr>
+                            </a:solidFill>
+                            <a:latin typeface="Cambria Math" panose="02040503050406030204" pitchFamily="18" charset="0"/>
+                          </a:rPr>
+                        </m:ctrlPr>
+                      </m:sSubPr>
+                      <m:e>
+                        <m:r>
+                          <a:rPr lang="en-US" altLang="ko-KR" sz="1600" dirty="0">
+                            <a:solidFill>
+                              <a:schemeClr val="tx2">
+                                <a:lumMod val="75000"/>
+                              </a:schemeClr>
+                            </a:solidFill>
+                            <a:latin typeface="Cambria Math" panose="02040503050406030204" pitchFamily="18" charset="0"/>
+                          </a:rPr>
+                          <m:t>, </m:t>
+                        </m:r>
+                        <m:r>
+                          <a:rPr lang="en-US" altLang="ko-KR" sz="1600" i="1" dirty="0">
+                            <a:solidFill>
+                              <a:schemeClr val="tx2">
+                                <a:lumMod val="75000"/>
+                              </a:schemeClr>
+                            </a:solidFill>
+                            <a:latin typeface="Cambria Math" panose="02040503050406030204" pitchFamily="18" charset="0"/>
+                          </a:rPr>
+                          <m:t>𝛼</m:t>
+                        </m:r>
+                      </m:e>
+                      <m:sub>
+                        <m:r>
+                          <a:rPr lang="en-US" altLang="ko-KR" sz="1600" i="1" dirty="0">
+                            <a:solidFill>
+                              <a:schemeClr val="tx2">
+                                <a:lumMod val="75000"/>
+                              </a:schemeClr>
+                            </a:solidFill>
+                            <a:latin typeface="Cambria Math" panose="02040503050406030204" pitchFamily="18" charset="0"/>
+                          </a:rPr>
+                          <m:t>𝑖</m:t>
+                        </m:r>
+                      </m:sub>
+                    </m:sSub>
+                    <m:r>
+                      <a:rPr lang="en-US" altLang="ko-KR" sz="1600" i="1" dirty="0">
+                        <a:solidFill>
+                          <a:schemeClr val="tx2">
+                            <a:lumMod val="75000"/>
+                          </a:schemeClr>
+                        </a:solidFill>
+                        <a:latin typeface="Cambria Math" panose="02040503050406030204" pitchFamily="18" charset="0"/>
+                      </a:rPr>
+                      <m:t>,</m:t>
+                    </m:r>
+                    <m:sSub>
+                      <m:sSubPr>
+                        <m:ctrlPr>
+                          <a:rPr lang="en-US" altLang="ko-KR" sz="1600" i="1">
+                            <a:solidFill>
+                              <a:schemeClr val="tx2">
+                                <a:lumMod val="75000"/>
+                              </a:schemeClr>
+                            </a:solidFill>
+                            <a:latin typeface="Cambria Math" panose="02040503050406030204" pitchFamily="18" charset="0"/>
+                          </a:rPr>
+                        </m:ctrlPr>
+                      </m:sSubPr>
+                      <m:e>
+                        <m:r>
+                          <a:rPr lang="en-US" altLang="ko-KR" sz="1600" i="1">
+                            <a:solidFill>
+                              <a:schemeClr val="tx2">
+                                <a:lumMod val="75000"/>
+                              </a:schemeClr>
+                            </a:solidFill>
+                            <a:latin typeface="Cambria Math" panose="02040503050406030204" pitchFamily="18" charset="0"/>
+                          </a:rPr>
+                          <m:t>𝑧</m:t>
+                        </m:r>
+                      </m:e>
+                      <m:sub>
+                        <m:r>
+                          <a:rPr lang="en-US" altLang="ko-KR" sz="1600" i="1">
+                            <a:solidFill>
+                              <a:schemeClr val="tx2">
+                                <a:lumMod val="75000"/>
+                              </a:schemeClr>
+                            </a:solidFill>
+                            <a:latin typeface="Cambria Math" panose="02040503050406030204" pitchFamily="18" charset="0"/>
+                          </a:rPr>
+                          <m:t>𝑖</m:t>
+                        </m:r>
+                      </m:sub>
+                    </m:sSub>
+                  </m:oMath>
+                </a14:m>
+                <a:r>
+                  <a:rPr lang="en-US" altLang="ko-KR" sz="1600" dirty="0">
+                    <a:solidFill>
+                      <a:schemeClr val="tx2">
+                        <a:lumMod val="75000"/>
+                      </a:schemeClr>
+                    </a:solidFill>
+                    <a:latin typeface="Segoe UI" panose="020B0502040204020203" pitchFamily="34" charset="0"/>
+                    <a:cs typeface="Segoe UI" panose="020B0502040204020203" pitchFamily="34" charset="0"/>
+                  </a:rPr>
+                  <a:t>)</a:t>
+                </a:r>
+                <a14:m>
+                  <m:oMath xmlns:m="http://schemas.openxmlformats.org/officeDocument/2006/math">
+                    <m:r>
+                      <a:rPr lang="en-US" altLang="ko-KR" sz="1600" dirty="0">
+                        <a:solidFill>
+                          <a:schemeClr val="tx2">
+                            <a:lumMod val="75000"/>
+                          </a:schemeClr>
+                        </a:solidFill>
+                        <a:latin typeface="Cambria Math" panose="02040503050406030204" pitchFamily="18" charset="0"/>
+                      </a:rPr>
+                      <m:t>≡</m:t>
+                    </m:r>
+                  </m:oMath>
+                </a14:m>
+                <a:r>
+                  <a:rPr lang="en-US" altLang="ko-KR" sz="1600" dirty="0">
+                    <a:solidFill>
+                      <a:schemeClr val="tx2">
+                        <a:lumMod val="75000"/>
+                      </a:schemeClr>
+                    </a:solidFill>
+                    <a:latin typeface="Segoe UI" panose="020B0502040204020203" pitchFamily="34" charset="0"/>
+                    <a:cs typeface="Segoe UI" panose="020B0502040204020203" pitchFamily="34" charset="0"/>
+                  </a:rPr>
+                  <a:t> </a:t>
+                </a:r>
+                <a14:m>
+                  <m:oMath xmlns:m="http://schemas.openxmlformats.org/officeDocument/2006/math">
+                    <m:sSub>
+                      <m:sSubPr>
+                        <m:ctrlPr>
+                          <a:rPr lang="en-US" altLang="ko-KR" sz="1600" i="1">
+                            <a:solidFill>
+                              <a:schemeClr val="tx2">
+                                <a:lumMod val="75000"/>
+                              </a:schemeClr>
+                            </a:solidFill>
+                            <a:latin typeface="Cambria Math" panose="02040503050406030204" pitchFamily="18" charset="0"/>
+                          </a:rPr>
+                        </m:ctrlPr>
+                      </m:sSubPr>
+                      <m:e>
+                        <m:r>
+                          <a:rPr lang="en-US" altLang="ko-KR" sz="1600" i="1">
+                            <a:solidFill>
+                              <a:schemeClr val="tx2">
+                                <a:lumMod val="75000"/>
+                              </a:schemeClr>
+                            </a:solidFill>
+                            <a:latin typeface="Cambria Math" panose="02040503050406030204" pitchFamily="18" charset="0"/>
+                          </a:rPr>
+                          <m:t>𝑢</m:t>
+                        </m:r>
+                      </m:e>
+                      <m:sub>
+                        <m:r>
+                          <a:rPr lang="en-US" altLang="ko-KR" sz="1600" i="1">
+                            <a:solidFill>
+                              <a:schemeClr val="tx2">
+                                <a:lumMod val="75000"/>
+                              </a:schemeClr>
+                            </a:solidFill>
+                            <a:latin typeface="Cambria Math" panose="02040503050406030204" pitchFamily="18" charset="0"/>
+                          </a:rPr>
+                          <m:t>𝑖</m:t>
+                        </m:r>
+                      </m:sub>
+                    </m:sSub>
+                    <m:r>
+                      <a:rPr lang="en-US" altLang="ko-KR" sz="1600" i="1">
+                        <a:solidFill>
+                          <a:schemeClr val="tx2">
+                            <a:lumMod val="75000"/>
+                          </a:schemeClr>
+                        </a:solidFill>
+                        <a:latin typeface="Cambria Math" panose="02040503050406030204" pitchFamily="18" charset="0"/>
+                      </a:rPr>
+                      <m:t>∗</m:t>
+                    </m:r>
+                  </m:oMath>
+                </a14:m>
+                <a:r>
+                  <a:rPr lang="en-US" altLang="ko-KR" sz="1600" dirty="0">
+                    <a:solidFill>
+                      <a:schemeClr val="tx2">
+                        <a:lumMod val="75000"/>
+                      </a:schemeClr>
+                    </a:solidFill>
+                  </a:rPr>
+                  <a:t> </a:t>
+                </a:r>
+                <a14:m>
+                  <m:oMath xmlns:m="http://schemas.openxmlformats.org/officeDocument/2006/math">
+                    <m:sSub>
+                      <m:sSubPr>
+                        <m:ctrlPr>
+                          <a:rPr lang="en-US" altLang="ko-KR" sz="1600" i="1">
+                            <a:solidFill>
+                              <a:schemeClr val="tx2">
+                                <a:lumMod val="75000"/>
+                              </a:schemeClr>
+                            </a:solidFill>
+                            <a:latin typeface="Cambria Math" panose="02040503050406030204" pitchFamily="18" charset="0"/>
+                          </a:rPr>
+                        </m:ctrlPr>
+                      </m:sSubPr>
+                      <m:e>
+                        <m:r>
+                          <a:rPr lang="en-US" altLang="ko-KR" sz="1600" i="1">
+                            <a:solidFill>
+                              <a:schemeClr val="tx2">
+                                <a:lumMod val="75000"/>
+                              </a:schemeClr>
+                            </a:solidFill>
+                            <a:latin typeface="Cambria Math" panose="02040503050406030204" pitchFamily="18" charset="0"/>
+                          </a:rPr>
+                          <m:t>𝑣</m:t>
+                        </m:r>
+                      </m:e>
+                      <m:sub>
+                        <m:r>
+                          <a:rPr lang="en-US" altLang="ko-KR" sz="1600" i="1">
+                            <a:solidFill>
+                              <a:schemeClr val="tx2">
+                                <a:lumMod val="75000"/>
+                              </a:schemeClr>
+                            </a:solidFill>
+                            <a:latin typeface="Cambria Math" panose="02040503050406030204" pitchFamily="18" charset="0"/>
+                          </a:rPr>
+                          <m:t>𝑖</m:t>
+                        </m:r>
+                      </m:sub>
+                    </m:sSub>
+                  </m:oMath>
+                </a14:m>
+                <a:r>
+                  <a:rPr lang="en-US" altLang="ko-KR" sz="1600" dirty="0">
+                    <a:solidFill>
+                      <a:schemeClr val="tx2">
+                        <a:lumMod val="75000"/>
+                      </a:schemeClr>
+                    </a:solidFill>
+                    <a:latin typeface="Segoe UI" panose="020B0502040204020203" pitchFamily="34" charset="0"/>
+                    <a:cs typeface="Segoe UI" panose="020B0502040204020203" pitchFamily="34" charset="0"/>
+                  </a:rPr>
+                  <a:t> + </a:t>
+                </a:r>
+                <a14:m>
+                  <m:oMath xmlns:m="http://schemas.openxmlformats.org/officeDocument/2006/math">
+                    <m:sSub>
+                      <m:sSubPr>
+                        <m:ctrlPr>
+                          <a:rPr lang="en-US" altLang="ko-KR" sz="1600" i="1">
+                            <a:solidFill>
+                              <a:schemeClr val="tx2">
+                                <a:lumMod val="75000"/>
+                              </a:schemeClr>
+                            </a:solidFill>
+                            <a:latin typeface="Cambria Math" panose="02040503050406030204" pitchFamily="18" charset="0"/>
+                          </a:rPr>
+                        </m:ctrlPr>
+                      </m:sSubPr>
+                      <m:e>
+                        <m:r>
+                          <a:rPr lang="en-US" altLang="ko-KR" sz="1600" i="1">
+                            <a:solidFill>
+                              <a:schemeClr val="tx2">
+                                <a:lumMod val="75000"/>
+                              </a:schemeClr>
+                            </a:solidFill>
+                            <a:latin typeface="Cambria Math" panose="02040503050406030204" pitchFamily="18" charset="0"/>
+                          </a:rPr>
+                          <m:t>𝑢</m:t>
+                        </m:r>
+                      </m:e>
+                      <m:sub>
+                        <m:r>
+                          <a:rPr lang="en-US" altLang="ko-KR" sz="1600" i="1">
+                            <a:solidFill>
+                              <a:schemeClr val="tx2">
+                                <a:lumMod val="75000"/>
+                              </a:schemeClr>
+                            </a:solidFill>
+                            <a:latin typeface="Cambria Math" panose="02040503050406030204" pitchFamily="18" charset="0"/>
+                          </a:rPr>
+                          <m:t>𝑖</m:t>
+                        </m:r>
+                      </m:sub>
+                    </m:sSub>
+                    <m:r>
+                      <a:rPr lang="en-US" altLang="ko-KR" sz="1600" i="1">
+                        <a:solidFill>
+                          <a:schemeClr val="tx2">
+                            <a:lumMod val="75000"/>
+                          </a:schemeClr>
+                        </a:solidFill>
+                        <a:latin typeface="Cambria Math" panose="02040503050406030204" pitchFamily="18" charset="0"/>
+                      </a:rPr>
+                      <m:t> ∗</m:t>
+                    </m:r>
+                    <m:sSub>
+                      <m:sSubPr>
+                        <m:ctrlPr>
+                          <a:rPr lang="en-US" altLang="ko-KR" sz="1600" i="1">
+                            <a:solidFill>
+                              <a:schemeClr val="tx2">
+                                <a:lumMod val="75000"/>
+                              </a:schemeClr>
+                            </a:solidFill>
+                            <a:latin typeface="Cambria Math" panose="02040503050406030204" pitchFamily="18" charset="0"/>
+                          </a:rPr>
+                        </m:ctrlPr>
+                      </m:sSubPr>
+                      <m:e>
+                        <m:r>
+                          <a:rPr lang="en-US" altLang="ko-KR" sz="1600" i="1">
+                            <a:solidFill>
+                              <a:schemeClr val="tx2">
+                                <a:lumMod val="75000"/>
+                              </a:schemeClr>
+                            </a:solidFill>
+                            <a:latin typeface="Cambria Math" panose="02040503050406030204" pitchFamily="18" charset="0"/>
+                          </a:rPr>
+                          <m:t>𝑣</m:t>
+                        </m:r>
+                      </m:e>
+                      <m:sub>
+                        <m:r>
+                          <a:rPr lang="en-US" altLang="ko-KR" sz="1600" i="1">
+                            <a:solidFill>
+                              <a:schemeClr val="tx2">
+                                <a:lumMod val="75000"/>
+                              </a:schemeClr>
+                            </a:solidFill>
+                            <a:latin typeface="Cambria Math" panose="02040503050406030204" pitchFamily="18" charset="0"/>
+                          </a:rPr>
+                          <m:t>𝑖</m:t>
+                        </m:r>
+                        <m:r>
+                          <a:rPr lang="en-US" altLang="ko-KR" sz="1600" i="1">
+                            <a:solidFill>
+                              <a:schemeClr val="tx2">
+                                <a:lumMod val="75000"/>
+                              </a:schemeClr>
+                            </a:solidFill>
+                            <a:latin typeface="Cambria Math" panose="02040503050406030204" pitchFamily="18" charset="0"/>
+                          </a:rPr>
+                          <m:t>−</m:t>
+                        </m:r>
+                        <m:r>
+                          <a:rPr lang="en-US" altLang="ko-KR" sz="1600" i="1">
+                            <a:solidFill>
+                              <a:schemeClr val="tx2">
+                                <a:lumMod val="75000"/>
+                              </a:schemeClr>
+                            </a:solidFill>
+                            <a:latin typeface="Cambria Math" panose="02040503050406030204" pitchFamily="18" charset="0"/>
+                          </a:rPr>
+                          <m:t>1</m:t>
+                        </m:r>
+                      </m:sub>
+                    </m:sSub>
+                    <m:r>
+                      <a:rPr lang="en-US" altLang="ko-KR" sz="1600" i="1">
+                        <a:solidFill>
+                          <a:schemeClr val="tx2">
+                            <a:lumMod val="75000"/>
+                          </a:schemeClr>
+                        </a:solidFill>
+                        <a:latin typeface="Cambria Math" panose="02040503050406030204" pitchFamily="18" charset="0"/>
+                      </a:rPr>
+                      <m:t>+</m:t>
+                    </m:r>
+                    <m:sSub>
+                      <m:sSubPr>
+                        <m:ctrlPr>
+                          <a:rPr lang="en-US" altLang="ko-KR" sz="1600" i="1">
+                            <a:solidFill>
+                              <a:schemeClr val="tx2">
+                                <a:lumMod val="75000"/>
+                              </a:schemeClr>
+                            </a:solidFill>
+                            <a:latin typeface="Cambria Math" panose="02040503050406030204" pitchFamily="18" charset="0"/>
+                          </a:rPr>
+                        </m:ctrlPr>
+                      </m:sSubPr>
+                      <m:e>
+                        <m:r>
+                          <a:rPr lang="en-US" altLang="ko-KR" sz="1600" i="1">
+                            <a:solidFill>
+                              <a:schemeClr val="tx2">
+                                <a:lumMod val="75000"/>
+                              </a:schemeClr>
+                            </a:solidFill>
+                            <a:latin typeface="Cambria Math" panose="02040503050406030204" pitchFamily="18" charset="0"/>
+                          </a:rPr>
+                          <m:t>𝑢</m:t>
+                        </m:r>
+                      </m:e>
+                      <m:sub>
+                        <m:r>
+                          <a:rPr lang="en-US" altLang="ko-KR" sz="1600" i="1">
+                            <a:solidFill>
+                              <a:schemeClr val="tx2">
+                                <a:lumMod val="75000"/>
+                              </a:schemeClr>
+                            </a:solidFill>
+                            <a:latin typeface="Cambria Math" panose="02040503050406030204" pitchFamily="18" charset="0"/>
+                          </a:rPr>
+                          <m:t>𝑖</m:t>
+                        </m:r>
+                        <m:r>
+                          <a:rPr lang="en-US" altLang="ko-KR" sz="1600" i="1">
+                            <a:solidFill>
+                              <a:schemeClr val="tx2">
+                                <a:lumMod val="75000"/>
+                              </a:schemeClr>
+                            </a:solidFill>
+                            <a:latin typeface="Cambria Math" panose="02040503050406030204" pitchFamily="18" charset="0"/>
+                          </a:rPr>
+                          <m:t>−</m:t>
+                        </m:r>
+                        <m:r>
+                          <a:rPr lang="en-US" altLang="ko-KR" sz="1600" i="1">
+                            <a:solidFill>
+                              <a:schemeClr val="tx2">
+                                <a:lumMod val="75000"/>
+                              </a:schemeClr>
+                            </a:solidFill>
+                            <a:latin typeface="Cambria Math" panose="02040503050406030204" pitchFamily="18" charset="0"/>
+                          </a:rPr>
+                          <m:t>1</m:t>
+                        </m:r>
+                      </m:sub>
+                    </m:sSub>
+                    <m:r>
+                      <a:rPr lang="en-US" altLang="ko-KR" sz="1600" i="1">
+                        <a:solidFill>
+                          <a:schemeClr val="tx2">
+                            <a:lumMod val="75000"/>
+                          </a:schemeClr>
+                        </a:solidFill>
+                        <a:latin typeface="Cambria Math" panose="02040503050406030204" pitchFamily="18" charset="0"/>
+                      </a:rPr>
+                      <m:t> ∗</m:t>
+                    </m:r>
+                    <m:sSub>
+                      <m:sSubPr>
+                        <m:ctrlPr>
+                          <a:rPr lang="en-US" altLang="ko-KR" sz="1600" i="1">
+                            <a:solidFill>
+                              <a:schemeClr val="tx2">
+                                <a:lumMod val="75000"/>
+                              </a:schemeClr>
+                            </a:solidFill>
+                            <a:latin typeface="Cambria Math" panose="02040503050406030204" pitchFamily="18" charset="0"/>
+                          </a:rPr>
+                        </m:ctrlPr>
+                      </m:sSubPr>
+                      <m:e>
+                        <m:r>
+                          <a:rPr lang="en-US" altLang="ko-KR" sz="1600" i="1">
+                            <a:solidFill>
+                              <a:schemeClr val="tx2">
+                                <a:lumMod val="75000"/>
+                              </a:schemeClr>
+                            </a:solidFill>
+                            <a:latin typeface="Cambria Math" panose="02040503050406030204" pitchFamily="18" charset="0"/>
+                          </a:rPr>
+                          <m:t>𝑣</m:t>
+                        </m:r>
+                      </m:e>
+                      <m:sub>
+                        <m:r>
+                          <a:rPr lang="en-US" altLang="ko-KR" sz="1600" i="1">
+                            <a:solidFill>
+                              <a:schemeClr val="tx2">
+                                <a:lumMod val="75000"/>
+                              </a:schemeClr>
+                            </a:solidFill>
+                            <a:latin typeface="Cambria Math" panose="02040503050406030204" pitchFamily="18" charset="0"/>
+                          </a:rPr>
+                          <m:t>𝑖</m:t>
+                        </m:r>
+                      </m:sub>
+                    </m:sSub>
+                    <m:r>
+                      <a:rPr lang="en-US" altLang="ko-KR" sz="1600" i="1">
+                        <a:solidFill>
+                          <a:schemeClr val="tx2">
+                            <a:lumMod val="75000"/>
+                          </a:schemeClr>
+                        </a:solidFill>
+                        <a:latin typeface="Cambria Math" panose="02040503050406030204" pitchFamily="18" charset="0"/>
+                      </a:rPr>
+                      <m:t>+ </m:t>
+                    </m:r>
+                    <m:sSub>
+                      <m:sSubPr>
+                        <m:ctrlPr>
+                          <a:rPr lang="en-US" altLang="ko-KR" sz="1600" i="1" dirty="0">
+                            <a:solidFill>
+                              <a:schemeClr val="tx2">
+                                <a:lumMod val="75000"/>
+                              </a:schemeClr>
+                            </a:solidFill>
+                            <a:latin typeface="Cambria Math" panose="02040503050406030204" pitchFamily="18" charset="0"/>
+                          </a:rPr>
+                        </m:ctrlPr>
+                      </m:sSubPr>
+                      <m:e>
+                        <m:r>
+                          <a:rPr lang="en-US" altLang="ko-KR" sz="1600" dirty="0">
+                            <a:solidFill>
+                              <a:schemeClr val="tx2">
+                                <a:lumMod val="75000"/>
+                              </a:schemeClr>
+                            </a:solidFill>
+                            <a:latin typeface="Cambria Math" panose="02040503050406030204" pitchFamily="18" charset="0"/>
+                          </a:rPr>
+                          <m:t> </m:t>
+                        </m:r>
+                        <m:r>
+                          <a:rPr lang="en-US" altLang="ko-KR" sz="1600" i="1" dirty="0">
+                            <a:solidFill>
+                              <a:schemeClr val="tx2">
+                                <a:lumMod val="75000"/>
+                              </a:schemeClr>
+                            </a:solidFill>
+                            <a:latin typeface="Cambria Math" panose="02040503050406030204" pitchFamily="18" charset="0"/>
+                          </a:rPr>
+                          <m:t>𝛼</m:t>
+                        </m:r>
+                      </m:e>
+                      <m:sub>
+                        <m:r>
+                          <a:rPr lang="en-US" altLang="ko-KR" sz="1600" i="1" dirty="0">
+                            <a:solidFill>
+                              <a:schemeClr val="tx2">
+                                <a:lumMod val="75000"/>
+                              </a:schemeClr>
+                            </a:solidFill>
+                            <a:latin typeface="Cambria Math" panose="02040503050406030204" pitchFamily="18" charset="0"/>
+                          </a:rPr>
+                          <m:t>𝑖</m:t>
+                        </m:r>
+                      </m:sub>
+                    </m:sSub>
+                    <m:r>
+                      <a:rPr lang="en-US" altLang="ko-KR" sz="1600" i="1" dirty="0">
+                        <a:solidFill>
+                          <a:schemeClr val="tx2">
+                            <a:lumMod val="75000"/>
+                          </a:schemeClr>
+                        </a:solidFill>
+                        <a:latin typeface="Cambria Math" panose="02040503050406030204" pitchFamily="18" charset="0"/>
+                      </a:rPr>
+                      <m:t>−</m:t>
+                    </m:r>
+                  </m:oMath>
+                </a14:m>
+                <a:r>
+                  <a:rPr lang="en-US" altLang="ko-KR" sz="1600" dirty="0">
+                    <a:solidFill>
+                      <a:schemeClr val="tx2">
+                        <a:lumMod val="75000"/>
+                      </a:schemeClr>
+                    </a:solidFill>
+                  </a:rPr>
+                  <a:t> </a:t>
+                </a:r>
+                <a14:m>
+                  <m:oMath xmlns:m="http://schemas.openxmlformats.org/officeDocument/2006/math">
+                    <m:sSub>
+                      <m:sSubPr>
+                        <m:ctrlPr>
+                          <a:rPr lang="en-US" altLang="ko-KR" sz="1600" i="1">
+                            <a:solidFill>
+                              <a:schemeClr val="tx2">
+                                <a:lumMod val="75000"/>
+                              </a:schemeClr>
+                            </a:solidFill>
+                            <a:latin typeface="Cambria Math" panose="02040503050406030204" pitchFamily="18" charset="0"/>
+                          </a:rPr>
+                        </m:ctrlPr>
+                      </m:sSubPr>
+                      <m:e>
+                        <m:r>
+                          <a:rPr lang="en-US" altLang="ko-KR" sz="1600" i="1">
+                            <a:solidFill>
+                              <a:schemeClr val="tx2">
+                                <a:lumMod val="75000"/>
+                              </a:schemeClr>
+                            </a:solidFill>
+                            <a:latin typeface="Cambria Math" panose="02040503050406030204" pitchFamily="18" charset="0"/>
+                          </a:rPr>
+                          <m:t>𝑧</m:t>
+                        </m:r>
+                      </m:e>
+                      <m:sub>
+                        <m:r>
+                          <a:rPr lang="en-US" altLang="ko-KR" sz="1600" i="1">
+                            <a:solidFill>
+                              <a:schemeClr val="tx2">
+                                <a:lumMod val="75000"/>
+                              </a:schemeClr>
+                            </a:solidFill>
+                            <a:latin typeface="Cambria Math" panose="02040503050406030204" pitchFamily="18" charset="0"/>
+                          </a:rPr>
+                          <m:t>𝑖</m:t>
+                        </m:r>
+                      </m:sub>
+                    </m:sSub>
+                  </m:oMath>
+                </a14:m>
+                <a:r>
+                  <a:rPr lang="en-US" altLang="ko-KR" sz="1600" dirty="0">
+                    <a:solidFill>
+                      <a:schemeClr val="tx2">
+                        <a:lumMod val="75000"/>
+                      </a:schemeClr>
+                    </a:solidFill>
+                    <a:latin typeface="Segoe UI" panose="020B0502040204020203" pitchFamily="34" charset="0"/>
+                    <a:cs typeface="Segoe UI" panose="020B0502040204020203" pitchFamily="34" charset="0"/>
+                  </a:rPr>
+                  <a:t> = 0</a:t>
+                </a:r>
+              </a:p>
+              <a:p>
+                <a:pPr marL="285750" indent="-285750">
+                  <a:lnSpc>
+                    <a:spcPct val="150000"/>
+                  </a:lnSpc>
+                  <a:buFont typeface="Arial" panose="020B0604020202020204" pitchFamily="34" charset="0"/>
+                  <a:buChar char="•"/>
+                </a:pPr>
+                <a:endParaRPr lang="en-US" altLang="ko-KR" sz="1600" dirty="0">
+                  <a:solidFill>
+                    <a:schemeClr val="tx2">
+                      <a:lumMod val="75000"/>
+                    </a:schemeClr>
+                  </a:solidFill>
+                  <a:latin typeface="Segoe UI" panose="020B0502040204020203" pitchFamily="34" charset="0"/>
+                  <a:cs typeface="Segoe UI" panose="020B0502040204020203" pitchFamily="34" charset="0"/>
+                </a:endParaRPr>
+              </a:p>
+              <a:p>
                 <a:endParaRPr lang="LID4096" dirty="0"/>
               </a:p>
             </p:txBody>
           </p:sp>
         </mc:Choice>
-        <mc:Fallback xmlns="">
+        <mc:Fallback>
           <p:sp>
             <p:nvSpPr>
               <p:cNvPr id="3" name="TextBox 2">
@@ -11223,13 +12499,13 @@
             <p:spPr>
               <a:xfrm>
                 <a:off x="143508" y="909756"/>
-                <a:ext cx="8856984" cy="3323987"/>
+                <a:ext cx="8856984" cy="2954655"/>
               </a:xfrm>
               <a:prstGeom prst="rect">
                 <a:avLst/>
               </a:prstGeom>
               <a:blipFill>
-                <a:blip r:embed="rId2"/>
+                <a:blip r:embed="rId3"/>
                 <a:stretch>
                   <a:fillRect l="-275"/>
                 </a:stretch>
@@ -11240,563 +12516,7 @@
               <a:lstStyle/>
               <a:p>
                 <a:r>
-                  <a:rPr lang="LID4096">
-                    <a:noFill/>
-                  </a:rPr>
-                  <a:t> </a:t>
-                </a:r>
-              </a:p>
-            </p:txBody>
-          </p:sp>
-        </mc:Fallback>
-      </mc:AlternateContent>
-      <mc:AlternateContent xmlns:mc="http://schemas.openxmlformats.org/markup-compatibility/2006" xmlns:a14="http://schemas.microsoft.com/office/drawing/2010/main">
-        <mc:Choice Requires="a14">
-          <p:sp>
-            <p:nvSpPr>
-              <p:cNvPr id="7" name="TextBox 6">
-                <a:extLst>
-                  <a:ext uri="{FF2B5EF4-FFF2-40B4-BE49-F238E27FC236}">
-                    <a16:creationId xmlns:a16="http://schemas.microsoft.com/office/drawing/2014/main" id="{BEBAEED8-9B7F-40D5-B66C-125095998AE5}"/>
-                  </a:ext>
-                </a:extLst>
-              </p:cNvPr>
-              <p:cNvSpPr txBox="1"/>
-              <p:nvPr/>
-            </p:nvSpPr>
-            <p:spPr>
-              <a:xfrm>
-                <a:off x="731826" y="1683904"/>
-                <a:ext cx="3077720" cy="315536"/>
-              </a:xfrm>
-              <a:prstGeom prst="rect">
-                <a:avLst/>
-              </a:prstGeom>
-              <a:noFill/>
-            </p:spPr>
-            <p:txBody>
-              <a:bodyPr wrap="square" rtlCol="0">
-                <a:spAutoFit/>
-              </a:bodyPr>
-              <a:lstStyle/>
-              <a:p>
-                <a:pPr algn="r"/>
-                <a14:m>
-                  <m:oMathPara xmlns:m="http://schemas.openxmlformats.org/officeDocument/2006/math">
-                    <m:oMathParaPr>
-                      <m:jc m:val="centerGroup"/>
-                    </m:oMathParaPr>
-                    <m:oMath xmlns:m="http://schemas.openxmlformats.org/officeDocument/2006/math">
-                      <m:sSub>
-                        <m:sSubPr>
-                          <m:ctrlPr>
-                            <a:rPr lang="ko-KR" altLang="en-US" sz="1400" i="1" dirty="0" smtClean="0">
-                              <a:solidFill>
-                                <a:schemeClr val="tx2">
-                                  <a:lumMod val="50000"/>
-                                </a:schemeClr>
-                              </a:solidFill>
-                              <a:latin typeface="Cambria Math" panose="02040503050406030204" pitchFamily="18" charset="0"/>
-                            </a:rPr>
-                          </m:ctrlPr>
-                        </m:sSubPr>
-                        <m:e>
-                          <m:r>
-                            <a:rPr lang="ko-KR" altLang="en-US" sz="1400" i="1" dirty="0">
-                              <a:solidFill>
-                                <a:schemeClr val="tx2">
-                                  <a:lumMod val="50000"/>
-                                </a:schemeClr>
-                              </a:solidFill>
-                              <a:latin typeface="Cambria Math" panose="02040503050406030204" pitchFamily="18" charset="0"/>
-                            </a:rPr>
-                            <m:t>𝑧</m:t>
-                          </m:r>
-                        </m:e>
-                        <m:sub>
-                          <m:r>
-                            <a:rPr lang="ko-KR" altLang="en-US" sz="1400" i="1" dirty="0">
-                              <a:solidFill>
-                                <a:schemeClr val="tx2">
-                                  <a:lumMod val="50000"/>
-                                </a:schemeClr>
-                              </a:solidFill>
-                              <a:latin typeface="Cambria Math" panose="02040503050406030204" pitchFamily="18" charset="0"/>
-                            </a:rPr>
-                            <m:t>𝑖</m:t>
-                          </m:r>
-                        </m:sub>
-                      </m:sSub>
-                      <m:r>
-                        <a:rPr lang="ko-KR" altLang="en-US" sz="1400" i="0" dirty="0">
-                          <a:solidFill>
-                            <a:schemeClr val="tx2">
-                              <a:lumMod val="50000"/>
-                            </a:schemeClr>
-                          </a:solidFill>
-                          <a:latin typeface="Cambria Math" panose="02040503050406030204" pitchFamily="18" charset="0"/>
-                        </a:rPr>
-                        <m:t>=</m:t>
-                      </m:r>
-                      <m:sSub>
-                        <m:sSubPr>
-                          <m:ctrlPr>
-                            <a:rPr lang="ko-KR" altLang="en-US" sz="1400" i="1" dirty="0">
-                              <a:solidFill>
-                                <a:schemeClr val="tx2">
-                                  <a:lumMod val="50000"/>
-                                </a:schemeClr>
-                              </a:solidFill>
-                              <a:latin typeface="Cambria Math" panose="02040503050406030204" pitchFamily="18" charset="0"/>
-                            </a:rPr>
-                          </m:ctrlPr>
-                        </m:sSubPr>
-                        <m:e>
-                          <m:r>
-                            <a:rPr lang="ko-KR" altLang="en-US" sz="1400" i="1" dirty="0">
-                              <a:solidFill>
-                                <a:schemeClr val="tx2">
-                                  <a:lumMod val="50000"/>
-                                </a:schemeClr>
-                              </a:solidFill>
-                              <a:latin typeface="Cambria Math" panose="02040503050406030204" pitchFamily="18" charset="0"/>
-                            </a:rPr>
-                            <m:t>𝑢</m:t>
-                          </m:r>
-                        </m:e>
-                        <m:sub>
-                          <m:r>
-                            <a:rPr lang="ko-KR" altLang="en-US" sz="1400" i="1" dirty="0">
-                              <a:solidFill>
-                                <a:schemeClr val="tx2">
-                                  <a:lumMod val="50000"/>
-                                </a:schemeClr>
-                              </a:solidFill>
-                              <a:latin typeface="Cambria Math" panose="02040503050406030204" pitchFamily="18" charset="0"/>
-                            </a:rPr>
-                            <m:t>𝑖</m:t>
-                          </m:r>
-                        </m:sub>
-                      </m:sSub>
-                      <m:r>
-                        <a:rPr lang="ko-KR" altLang="en-US" sz="1400" i="0" dirty="0">
-                          <a:solidFill>
-                            <a:schemeClr val="tx2">
-                              <a:lumMod val="50000"/>
-                            </a:schemeClr>
-                          </a:solidFill>
-                          <a:latin typeface="Cambria Math" panose="02040503050406030204" pitchFamily="18" charset="0"/>
-                        </a:rPr>
-                        <m:t>⋅</m:t>
-                      </m:r>
-                      <m:sSub>
-                        <m:sSubPr>
-                          <m:ctrlPr>
-                            <a:rPr lang="ko-KR" altLang="en-US" sz="1400" i="1" dirty="0">
-                              <a:solidFill>
-                                <a:schemeClr val="tx2">
-                                  <a:lumMod val="50000"/>
-                                </a:schemeClr>
-                              </a:solidFill>
-                              <a:latin typeface="Cambria Math" panose="02040503050406030204" pitchFamily="18" charset="0"/>
-                            </a:rPr>
-                          </m:ctrlPr>
-                        </m:sSubPr>
-                        <m:e>
-                          <m:r>
-                            <a:rPr lang="ko-KR" altLang="en-US" sz="1400" i="1" dirty="0">
-                              <a:solidFill>
-                                <a:schemeClr val="tx2">
-                                  <a:lumMod val="50000"/>
-                                </a:schemeClr>
-                              </a:solidFill>
-                              <a:latin typeface="Cambria Math" panose="02040503050406030204" pitchFamily="18" charset="0"/>
-                            </a:rPr>
-                            <m:t>𝑣</m:t>
-                          </m:r>
-                        </m:e>
-                        <m:sub>
-                          <m:r>
-                            <a:rPr lang="ko-KR" altLang="en-US" sz="1400" i="1" dirty="0">
-                              <a:solidFill>
-                                <a:schemeClr val="tx2">
-                                  <a:lumMod val="50000"/>
-                                </a:schemeClr>
-                              </a:solidFill>
-                              <a:latin typeface="Cambria Math" panose="02040503050406030204" pitchFamily="18" charset="0"/>
-                            </a:rPr>
-                            <m:t>𝑖</m:t>
-                          </m:r>
-                        </m:sub>
-                      </m:sSub>
-                      <m:r>
-                        <a:rPr lang="ko-KR" altLang="en-US" sz="1400" i="0" dirty="0">
-                          <a:solidFill>
-                            <a:schemeClr val="tx2">
-                              <a:lumMod val="50000"/>
-                            </a:schemeClr>
-                          </a:solidFill>
-                          <a:latin typeface="Cambria Math" panose="02040503050406030204" pitchFamily="18" charset="0"/>
-                        </a:rPr>
-                        <m:t>+</m:t>
-                      </m:r>
-                      <m:sSub>
-                        <m:sSubPr>
-                          <m:ctrlPr>
-                            <a:rPr lang="ko-KR" altLang="en-US" sz="1400" i="1" dirty="0">
-                              <a:solidFill>
-                                <a:schemeClr val="tx2">
-                                  <a:lumMod val="50000"/>
-                                </a:schemeClr>
-                              </a:solidFill>
-                              <a:latin typeface="Cambria Math" panose="02040503050406030204" pitchFamily="18" charset="0"/>
-                            </a:rPr>
-                          </m:ctrlPr>
-                        </m:sSubPr>
-                        <m:e>
-                          <m:r>
-                            <a:rPr lang="ko-KR" altLang="en-US" sz="1400" i="1" dirty="0">
-                              <a:solidFill>
-                                <a:schemeClr val="tx2">
-                                  <a:lumMod val="50000"/>
-                                </a:schemeClr>
-                              </a:solidFill>
-                              <a:latin typeface="Cambria Math" panose="02040503050406030204" pitchFamily="18" charset="0"/>
-                            </a:rPr>
-                            <m:t>𝑢</m:t>
-                          </m:r>
-                        </m:e>
-                        <m:sub>
-                          <m:r>
-                            <a:rPr lang="ko-KR" altLang="en-US" sz="1400" i="1" dirty="0">
-                              <a:solidFill>
-                                <a:schemeClr val="tx2">
-                                  <a:lumMod val="50000"/>
-                                </a:schemeClr>
-                              </a:solidFill>
-                              <a:latin typeface="Cambria Math" panose="02040503050406030204" pitchFamily="18" charset="0"/>
-                            </a:rPr>
-                            <m:t>𝑖</m:t>
-                          </m:r>
-                        </m:sub>
-                      </m:sSub>
-                      <m:r>
-                        <a:rPr lang="ko-KR" altLang="en-US" sz="1400" i="0" dirty="0">
-                          <a:solidFill>
-                            <a:schemeClr val="tx2">
-                              <a:lumMod val="50000"/>
-                            </a:schemeClr>
-                          </a:solidFill>
-                          <a:latin typeface="Cambria Math" panose="02040503050406030204" pitchFamily="18" charset="0"/>
-                        </a:rPr>
-                        <m:t>⋅</m:t>
-                      </m:r>
-                      <m:sSub>
-                        <m:sSubPr>
-                          <m:ctrlPr>
-                            <a:rPr lang="ko-KR" altLang="en-US" sz="1400" i="1" dirty="0">
-                              <a:solidFill>
-                                <a:schemeClr val="tx2">
-                                  <a:lumMod val="50000"/>
-                                </a:schemeClr>
-                              </a:solidFill>
-                              <a:latin typeface="Cambria Math" panose="02040503050406030204" pitchFamily="18" charset="0"/>
-                            </a:rPr>
-                          </m:ctrlPr>
-                        </m:sSubPr>
-                        <m:e>
-                          <m:r>
-                            <a:rPr lang="ko-KR" altLang="en-US" sz="1400" i="1" dirty="0">
-                              <a:solidFill>
-                                <a:schemeClr val="tx2">
-                                  <a:lumMod val="50000"/>
-                                </a:schemeClr>
-                              </a:solidFill>
-                              <a:latin typeface="Cambria Math" panose="02040503050406030204" pitchFamily="18" charset="0"/>
-                            </a:rPr>
-                            <m:t>𝑣</m:t>
-                          </m:r>
-                        </m:e>
-                        <m:sub>
-                          <m:r>
-                            <a:rPr lang="ko-KR" altLang="en-US" sz="1400" i="1" dirty="0">
-                              <a:solidFill>
-                                <a:schemeClr val="tx2">
-                                  <a:lumMod val="50000"/>
-                                </a:schemeClr>
-                              </a:solidFill>
-                              <a:latin typeface="Cambria Math" panose="02040503050406030204" pitchFamily="18" charset="0"/>
-                            </a:rPr>
-                            <m:t>𝑖</m:t>
-                          </m:r>
-                          <m:r>
-                            <a:rPr lang="ko-KR" altLang="en-US" sz="1400" i="0" dirty="0">
-                              <a:solidFill>
-                                <a:schemeClr val="tx2">
-                                  <a:lumMod val="50000"/>
-                                </a:schemeClr>
-                              </a:solidFill>
-                              <a:latin typeface="Cambria Math" panose="02040503050406030204" pitchFamily="18" charset="0"/>
-                            </a:rPr>
-                            <m:t>−</m:t>
-                          </m:r>
-                          <m:r>
-                            <a:rPr lang="ko-KR" altLang="en-US" sz="1400" i="0" dirty="0">
-                              <a:solidFill>
-                                <a:schemeClr val="tx2">
-                                  <a:lumMod val="50000"/>
-                                </a:schemeClr>
-                              </a:solidFill>
-                              <a:latin typeface="Cambria Math" panose="02040503050406030204" pitchFamily="18" charset="0"/>
-                            </a:rPr>
-                            <m:t>1</m:t>
-                          </m:r>
-                        </m:sub>
-                      </m:sSub>
-                      <m:r>
-                        <a:rPr lang="ko-KR" altLang="en-US" sz="1400" i="0" dirty="0">
-                          <a:solidFill>
-                            <a:schemeClr val="tx2">
-                              <a:lumMod val="50000"/>
-                            </a:schemeClr>
-                          </a:solidFill>
-                          <a:latin typeface="Cambria Math" panose="02040503050406030204" pitchFamily="18" charset="0"/>
-                        </a:rPr>
-                        <m:t>+</m:t>
-                      </m:r>
-                      <m:sSub>
-                        <m:sSubPr>
-                          <m:ctrlPr>
-                            <a:rPr lang="ko-KR" altLang="en-US" sz="1400" i="1" dirty="0">
-                              <a:solidFill>
-                                <a:schemeClr val="tx2">
-                                  <a:lumMod val="50000"/>
-                                </a:schemeClr>
-                              </a:solidFill>
-                              <a:latin typeface="Cambria Math" panose="02040503050406030204" pitchFamily="18" charset="0"/>
-                            </a:rPr>
-                          </m:ctrlPr>
-                        </m:sSubPr>
-                        <m:e>
-                          <m:r>
-                            <a:rPr lang="ko-KR" altLang="en-US" sz="1400" i="1" dirty="0">
-                              <a:solidFill>
-                                <a:schemeClr val="tx2">
-                                  <a:lumMod val="50000"/>
-                                </a:schemeClr>
-                              </a:solidFill>
-                              <a:latin typeface="Cambria Math" panose="02040503050406030204" pitchFamily="18" charset="0"/>
-                            </a:rPr>
-                            <m:t>𝑢</m:t>
-                          </m:r>
-                        </m:e>
-                        <m:sub>
-                          <m:acc>
-                            <m:accPr>
-                              <m:chr m:val="̇"/>
-                              <m:ctrlPr>
-                                <a:rPr lang="ko-KR" altLang="en-US" sz="1400" i="1" dirty="0">
-                                  <a:solidFill>
-                                    <a:schemeClr val="tx2">
-                                      <a:lumMod val="50000"/>
-                                    </a:schemeClr>
-                                  </a:solidFill>
-                                  <a:latin typeface="Cambria Math" panose="02040503050406030204" pitchFamily="18" charset="0"/>
-                                </a:rPr>
-                              </m:ctrlPr>
-                            </m:accPr>
-                            <m:e>
-                              <m:r>
-                                <a:rPr lang="ko-KR" altLang="en-US" sz="1400" i="1" dirty="0">
-                                  <a:solidFill>
-                                    <a:schemeClr val="tx2">
-                                      <a:lumMod val="50000"/>
-                                    </a:schemeClr>
-                                  </a:solidFill>
-                                  <a:latin typeface="Cambria Math" panose="02040503050406030204" pitchFamily="18" charset="0"/>
-                                </a:rPr>
-                                <m:t>𝑙</m:t>
-                              </m:r>
-                            </m:e>
-                          </m:acc>
-                          <m:r>
-                            <a:rPr lang="ko-KR" altLang="en-US" sz="1400" i="0" dirty="0">
-                              <a:solidFill>
-                                <a:schemeClr val="tx2">
-                                  <a:lumMod val="50000"/>
-                                </a:schemeClr>
-                              </a:solidFill>
-                              <a:latin typeface="Cambria Math" panose="02040503050406030204" pitchFamily="18" charset="0"/>
-                            </a:rPr>
-                            <m:t>−</m:t>
-                          </m:r>
-                          <m:r>
-                            <a:rPr lang="ko-KR" altLang="en-US" sz="1400" i="0" dirty="0">
-                              <a:solidFill>
-                                <a:schemeClr val="tx2">
-                                  <a:lumMod val="50000"/>
-                                </a:schemeClr>
-                              </a:solidFill>
-                              <a:latin typeface="Cambria Math" panose="02040503050406030204" pitchFamily="18" charset="0"/>
-                            </a:rPr>
-                            <m:t>1</m:t>
-                          </m:r>
-                        </m:sub>
-                      </m:sSub>
-                      <m:r>
-                        <a:rPr lang="ko-KR" altLang="en-US" sz="1400" i="0" dirty="0">
-                          <a:solidFill>
-                            <a:schemeClr val="tx2">
-                              <a:lumMod val="50000"/>
-                            </a:schemeClr>
-                          </a:solidFill>
-                          <a:latin typeface="Cambria Math" panose="02040503050406030204" pitchFamily="18" charset="0"/>
-                        </a:rPr>
-                        <m:t>⋅</m:t>
-                      </m:r>
-                      <m:sSub>
-                        <m:sSubPr>
-                          <m:ctrlPr>
-                            <a:rPr lang="ko-KR" altLang="en-US" sz="1400" i="1" dirty="0">
-                              <a:solidFill>
-                                <a:schemeClr val="tx2">
-                                  <a:lumMod val="50000"/>
-                                </a:schemeClr>
-                              </a:solidFill>
-                              <a:latin typeface="Cambria Math" panose="02040503050406030204" pitchFamily="18" charset="0"/>
-                            </a:rPr>
-                          </m:ctrlPr>
-                        </m:sSubPr>
-                        <m:e>
-                          <m:r>
-                            <a:rPr lang="ko-KR" altLang="en-US" sz="1400" i="1" dirty="0">
-                              <a:solidFill>
-                                <a:schemeClr val="tx2">
-                                  <a:lumMod val="50000"/>
-                                </a:schemeClr>
-                              </a:solidFill>
-                              <a:latin typeface="Cambria Math" panose="02040503050406030204" pitchFamily="18" charset="0"/>
-                            </a:rPr>
-                            <m:t>𝜈</m:t>
-                          </m:r>
-                        </m:e>
-                        <m:sub>
-                          <m:r>
-                            <a:rPr lang="ko-KR" altLang="en-US" sz="1400" i="1" dirty="0">
-                              <a:solidFill>
-                                <a:schemeClr val="tx2">
-                                  <a:lumMod val="50000"/>
-                                </a:schemeClr>
-                              </a:solidFill>
-                              <a:latin typeface="Cambria Math" panose="02040503050406030204" pitchFamily="18" charset="0"/>
-                            </a:rPr>
-                            <m:t>𝑖</m:t>
-                          </m:r>
-                        </m:sub>
-                      </m:sSub>
-                      <m:r>
-                        <a:rPr lang="ko-KR" altLang="en-US" sz="1400" i="0" dirty="0">
-                          <a:solidFill>
-                            <a:schemeClr val="tx2">
-                              <a:lumMod val="50000"/>
-                            </a:schemeClr>
-                          </a:solidFill>
-                          <a:latin typeface="Cambria Math" panose="02040503050406030204" pitchFamily="18" charset="0"/>
-                        </a:rPr>
-                        <m:t>+</m:t>
-                      </m:r>
-                      <m:sSub>
-                        <m:sSubPr>
-                          <m:ctrlPr>
-                            <a:rPr lang="ko-KR" altLang="en-US" sz="1400" i="1" dirty="0">
-                              <a:solidFill>
-                                <a:schemeClr val="tx2">
-                                  <a:lumMod val="50000"/>
-                                </a:schemeClr>
-                              </a:solidFill>
-                              <a:latin typeface="Cambria Math" panose="02040503050406030204" pitchFamily="18" charset="0"/>
-                            </a:rPr>
-                          </m:ctrlPr>
-                        </m:sSubPr>
-                        <m:e>
-                          <m:r>
-                            <a:rPr lang="ko-KR" altLang="en-US" sz="1400" i="1" dirty="0">
-                              <a:solidFill>
-                                <a:schemeClr val="tx2">
-                                  <a:lumMod val="50000"/>
-                                </a:schemeClr>
-                              </a:solidFill>
-                              <a:latin typeface="Cambria Math" panose="02040503050406030204" pitchFamily="18" charset="0"/>
-                            </a:rPr>
-                            <m:t>𝛼</m:t>
-                          </m:r>
-                        </m:e>
-                        <m:sub>
-                          <m:r>
-                            <a:rPr lang="ko-KR" altLang="en-US" sz="1400" i="1" dirty="0">
-                              <a:solidFill>
-                                <a:schemeClr val="tx2">
-                                  <a:lumMod val="50000"/>
-                                </a:schemeClr>
-                              </a:solidFill>
-                              <a:latin typeface="Cambria Math" panose="02040503050406030204" pitchFamily="18" charset="0"/>
-                            </a:rPr>
-                            <m:t>𝑖</m:t>
-                          </m:r>
-                        </m:sub>
-                      </m:sSub>
-                    </m:oMath>
-                  </m:oMathPara>
-                </a14:m>
-                <a:endParaRPr lang="ko-KR" altLang="en-US" sz="1400" dirty="0">
-                  <a:solidFill>
-                    <a:schemeClr val="tx2">
-                      <a:lumMod val="50000"/>
-                    </a:schemeClr>
-                  </a:solidFill>
-                  <a:latin typeface="Segoe UI" panose="020B0502040204020203" pitchFamily="34" charset="0"/>
-                  <a:cs typeface="Segoe UI" panose="020B0502040204020203" pitchFamily="34" charset="0"/>
-                </a:endParaRPr>
-              </a:p>
-            </p:txBody>
-          </p:sp>
-        </mc:Choice>
-        <mc:Fallback xmlns="">
-          <p:sp>
-            <p:nvSpPr>
-              <p:cNvPr id="7" name="TextBox 6">
-                <a:extLst>
-                  <a:ext uri="{FF2B5EF4-FFF2-40B4-BE49-F238E27FC236}">
-                    <a16:creationId xmlns:a16="http://schemas.microsoft.com/office/drawing/2014/main" id="{BEBAEED8-9B7F-40D5-B66C-125095998AE5}"/>
-                  </a:ext>
-                </a:extLst>
-              </p:cNvPr>
-              <p:cNvSpPr txBox="1">
-                <a:spLocks noRot="1" noChangeAspect="1" noMove="1" noResize="1" noEditPoints="1" noAdjustHandles="1" noChangeArrowheads="1" noChangeShapeType="1" noTextEdit="1"/>
-              </p:cNvSpPr>
-              <p:nvPr/>
-            </p:nvSpPr>
-            <p:spPr>
-              <a:xfrm>
-                <a:off x="731826" y="1683904"/>
-                <a:ext cx="3077720" cy="315536"/>
-              </a:xfrm>
-              <a:prstGeom prst="rect">
-                <a:avLst/>
-              </a:prstGeom>
-              <a:blipFill>
-                <a:blip r:embed="rId3"/>
-                <a:stretch>
-                  <a:fillRect/>
-                </a:stretch>
-              </a:blipFill>
-            </p:spPr>
-            <p:txBody>
-              <a:bodyPr/>
-              <a:lstStyle/>
-              <a:p>
-                <a:r>
-                  <a:rPr lang="LID4096">
+                  <a:rPr lang="he-IL">
                     <a:noFill/>
                   </a:rPr>
                   <a:t> </a:t>
@@ -27159,8 +27879,8 @@
           </a:p>
         </p:txBody>
       </p:sp>
-      <mc:AlternateContent xmlns:mc="http://schemas.openxmlformats.org/markup-compatibility/2006">
-        <mc:Choice xmlns:a14="http://schemas.microsoft.com/office/drawing/2010/main" Requires="a14">
+      <mc:AlternateContent xmlns:mc="http://schemas.openxmlformats.org/markup-compatibility/2006" xmlns:a14="http://schemas.microsoft.com/office/drawing/2010/main">
+        <mc:Choice Requires="a14">
           <p:sp>
             <p:nvSpPr>
               <p:cNvPr id="76" name="TextBox 75">
@@ -27224,7 +27944,7 @@
                     <m:sSub>
                       <m:sSubPr>
                         <m:ctrlPr>
-                          <a:rPr lang="en-US" altLang="ko-KR" sz="1200" dirty="0" smtClean="0">
+                          <a:rPr lang="en-US" altLang="ko-KR" sz="1200" i="1" dirty="0" smtClean="0">
                             <a:solidFill>
                               <a:schemeClr val="accent3"/>
                             </a:solidFill>
@@ -27395,7 +28115,7 @@
             </p:txBody>
           </p:sp>
         </mc:Choice>
-        <mc:Fallback>
+        <mc:Fallback xmlns="">
           <p:sp>
             <p:nvSpPr>
               <p:cNvPr id="76" name="TextBox 75">
@@ -29329,8 +30049,8 @@
           </a:p>
         </p:txBody>
       </p:sp>
-      <mc:AlternateContent xmlns:mc="http://schemas.openxmlformats.org/markup-compatibility/2006">
-        <mc:Choice xmlns:a14="http://schemas.microsoft.com/office/drawing/2010/main" Requires="a14">
+      <mc:AlternateContent xmlns:mc="http://schemas.openxmlformats.org/markup-compatibility/2006" xmlns:a14="http://schemas.microsoft.com/office/drawing/2010/main">
+        <mc:Choice Requires="a14">
           <p:sp>
             <p:nvSpPr>
               <p:cNvPr id="37" name="TextBox 36">
@@ -29389,7 +30109,7 @@
             </p:txBody>
           </p:sp>
         </mc:Choice>
-        <mc:Fallback>
+        <mc:Fallback xmlns="">
           <p:sp>
             <p:nvSpPr>
               <p:cNvPr id="37" name="TextBox 36">
@@ -29434,8 +30154,8 @@
           </p:sp>
         </mc:Fallback>
       </mc:AlternateContent>
-      <mc:AlternateContent xmlns:mc="http://schemas.openxmlformats.org/markup-compatibility/2006">
-        <mc:Choice xmlns:a14="http://schemas.microsoft.com/office/drawing/2010/main" Requires="a14">
+      <mc:AlternateContent xmlns:mc="http://schemas.openxmlformats.org/markup-compatibility/2006" xmlns:a14="http://schemas.microsoft.com/office/drawing/2010/main">
+        <mc:Choice Requires="a14">
           <p:sp>
             <p:nvSpPr>
               <p:cNvPr id="3" name="TextBox 2">
@@ -29464,6 +30184,7 @@
               </a:bodyPr>
               <a:lstStyle/>
               <a:p>
+                <a:pPr/>
                 <a14:m>
                   <m:oMathPara xmlns:m="http://schemas.openxmlformats.org/officeDocument/2006/math">
                     <m:oMathParaPr>
@@ -29555,7 +30276,7 @@
             </p:txBody>
           </p:sp>
         </mc:Choice>
-        <mc:Fallback>
+        <mc:Fallback xmlns="">
           <p:sp>
             <p:nvSpPr>
               <p:cNvPr id="3" name="TextBox 2">
@@ -29600,8 +30321,8 @@
           </p:sp>
         </mc:Fallback>
       </mc:AlternateContent>
-      <mc:AlternateContent xmlns:mc="http://schemas.openxmlformats.org/markup-compatibility/2006">
-        <mc:Choice xmlns:a14="http://schemas.microsoft.com/office/drawing/2010/main" Requires="a14">
+      <mc:AlternateContent xmlns:mc="http://schemas.openxmlformats.org/markup-compatibility/2006" xmlns:a14="http://schemas.microsoft.com/office/drawing/2010/main">
+        <mc:Choice Requires="a14">
           <p:sp>
             <p:nvSpPr>
               <p:cNvPr id="4" name="TextBox 3">
@@ -29630,6 +30351,7 @@
               </a:bodyPr>
               <a:lstStyle/>
               <a:p>
+                <a:pPr/>
                 <a14:m>
                   <m:oMathPara xmlns:m="http://schemas.openxmlformats.org/officeDocument/2006/math">
                     <m:oMathParaPr>
@@ -29730,7 +30452,7 @@
             </p:txBody>
           </p:sp>
         </mc:Choice>
-        <mc:Fallback>
+        <mc:Fallback xmlns="">
           <p:sp>
             <p:nvSpPr>
               <p:cNvPr id="4" name="TextBox 3">
@@ -29775,8 +30497,8 @@
           </p:sp>
         </mc:Fallback>
       </mc:AlternateContent>
-      <mc:AlternateContent xmlns:mc="http://schemas.openxmlformats.org/markup-compatibility/2006">
-        <mc:Choice xmlns:a14="http://schemas.microsoft.com/office/drawing/2010/main" Requires="a14">
+      <mc:AlternateContent xmlns:mc="http://schemas.openxmlformats.org/markup-compatibility/2006" xmlns:a14="http://schemas.microsoft.com/office/drawing/2010/main">
+        <mc:Choice Requires="a14">
           <p:sp>
             <p:nvSpPr>
               <p:cNvPr id="6" name="TextBox 5">
@@ -29805,6 +30527,7 @@
               </a:bodyPr>
               <a:lstStyle/>
               <a:p>
+                <a:pPr/>
                 <a14:m>
                   <m:oMathPara xmlns:m="http://schemas.openxmlformats.org/officeDocument/2006/math">
                     <m:oMathParaPr>
@@ -29939,7 +30662,7 @@
             </p:txBody>
           </p:sp>
         </mc:Choice>
-        <mc:Fallback>
+        <mc:Fallback xmlns="">
           <p:sp>
             <p:nvSpPr>
               <p:cNvPr id="6" name="TextBox 5">
@@ -30088,8 +30811,8 @@
           </a:p>
         </p:txBody>
       </p:sp>
-      <mc:AlternateContent xmlns:mc="http://schemas.openxmlformats.org/markup-compatibility/2006">
-        <mc:Choice xmlns:a14="http://schemas.microsoft.com/office/drawing/2010/main" Requires="a14">
+      <mc:AlternateContent xmlns:mc="http://schemas.openxmlformats.org/markup-compatibility/2006" xmlns:a14="http://schemas.microsoft.com/office/drawing/2010/main">
+        <mc:Choice Requires="a14">
           <p:sp>
             <p:nvSpPr>
               <p:cNvPr id="47" name="TextBox 46">
@@ -30118,6 +30841,7 @@
               </a:bodyPr>
               <a:lstStyle/>
               <a:p>
+                <a:pPr/>
                 <a14:m>
                   <m:oMathPara xmlns:m="http://schemas.openxmlformats.org/officeDocument/2006/math">
                     <m:oMathParaPr>
@@ -30144,7 +30868,7 @@
             </p:txBody>
           </p:sp>
         </mc:Choice>
-        <mc:Fallback>
+        <mc:Fallback xmlns="">
           <p:sp>
             <p:nvSpPr>
               <p:cNvPr id="47" name="TextBox 46">
@@ -30415,8 +31139,8 @@
           </a:p>
         </p:txBody>
       </p:sp>
-      <mc:AlternateContent xmlns:mc="http://schemas.openxmlformats.org/markup-compatibility/2006">
-        <mc:Choice xmlns:a14="http://schemas.microsoft.com/office/drawing/2010/main" Requires="a14">
+      <mc:AlternateContent xmlns:mc="http://schemas.openxmlformats.org/markup-compatibility/2006" xmlns:a14="http://schemas.microsoft.com/office/drawing/2010/main">
+        <mc:Choice Requires="a14">
           <p:sp>
             <p:nvSpPr>
               <p:cNvPr id="52" name="TextBox 51">
@@ -30445,6 +31169,7 @@
               </a:bodyPr>
               <a:lstStyle/>
               <a:p>
+                <a:pPr/>
                 <a14:m>
                   <m:oMathPara xmlns:m="http://schemas.openxmlformats.org/officeDocument/2006/math">
                     <m:oMathParaPr>
@@ -30545,7 +31270,7 @@
             </p:txBody>
           </p:sp>
         </mc:Choice>
-        <mc:Fallback>
+        <mc:Fallback xmlns="">
           <p:sp>
             <p:nvSpPr>
               <p:cNvPr id="52" name="TextBox 51">
@@ -30590,8 +31315,8 @@
           </p:sp>
         </mc:Fallback>
       </mc:AlternateContent>
-      <mc:AlternateContent xmlns:mc="http://schemas.openxmlformats.org/markup-compatibility/2006">
-        <mc:Choice xmlns:a14="http://schemas.microsoft.com/office/drawing/2010/main" Requires="a14">
+      <mc:AlternateContent xmlns:mc="http://schemas.openxmlformats.org/markup-compatibility/2006" xmlns:a14="http://schemas.microsoft.com/office/drawing/2010/main">
+        <mc:Choice Requires="a14">
           <p:sp>
             <p:nvSpPr>
               <p:cNvPr id="53" name="TextBox 52">
@@ -30847,7 +31572,7 @@
             </p:txBody>
           </p:sp>
         </mc:Choice>
-        <mc:Fallback>
+        <mc:Fallback xmlns="">
           <p:sp>
             <p:nvSpPr>
               <p:cNvPr id="53" name="TextBox 52">
@@ -30892,8 +31617,8 @@
           </p:sp>
         </mc:Fallback>
       </mc:AlternateContent>
-      <mc:AlternateContent xmlns:mc="http://schemas.openxmlformats.org/markup-compatibility/2006">
-        <mc:Choice xmlns:a14="http://schemas.microsoft.com/office/drawing/2010/main" Requires="a14">
+      <mc:AlternateContent xmlns:mc="http://schemas.openxmlformats.org/markup-compatibility/2006" xmlns:a14="http://schemas.microsoft.com/office/drawing/2010/main">
+        <mc:Choice Requires="a14">
           <p:sp>
             <p:nvSpPr>
               <p:cNvPr id="55" name="TextBox 54">
@@ -30953,7 +31678,7 @@
             </p:txBody>
           </p:sp>
         </mc:Choice>
-        <mc:Fallback>
+        <mc:Fallback xmlns="">
           <p:sp>
             <p:nvSpPr>
               <p:cNvPr id="55" name="TextBox 54">
@@ -30998,8 +31723,8 @@
           </p:sp>
         </mc:Fallback>
       </mc:AlternateContent>
-      <mc:AlternateContent xmlns:mc="http://schemas.openxmlformats.org/markup-compatibility/2006">
-        <mc:Choice xmlns:a14="http://schemas.microsoft.com/office/drawing/2010/main" Requires="a14">
+      <mc:AlternateContent xmlns:mc="http://schemas.openxmlformats.org/markup-compatibility/2006" xmlns:a14="http://schemas.microsoft.com/office/drawing/2010/main">
+        <mc:Choice Requires="a14">
           <p:sp>
             <p:nvSpPr>
               <p:cNvPr id="56" name="TextBox 55">
@@ -31083,7 +31808,7 @@
             </p:txBody>
           </p:sp>
         </mc:Choice>
-        <mc:Fallback>
+        <mc:Fallback xmlns="">
           <p:sp>
             <p:nvSpPr>
               <p:cNvPr id="56" name="TextBox 55">
@@ -31128,8 +31853,8 @@
           </p:sp>
         </mc:Fallback>
       </mc:AlternateContent>
-      <mc:AlternateContent xmlns:mc="http://schemas.openxmlformats.org/markup-compatibility/2006">
-        <mc:Choice xmlns:a14="http://schemas.microsoft.com/office/drawing/2010/main" Requires="a14">
+      <mc:AlternateContent xmlns:mc="http://schemas.openxmlformats.org/markup-compatibility/2006" xmlns:a14="http://schemas.microsoft.com/office/drawing/2010/main">
+        <mc:Choice Requires="a14">
           <p:sp>
             <p:nvSpPr>
               <p:cNvPr id="58" name="TextBox 57">
@@ -31213,7 +31938,7 @@
             </p:txBody>
           </p:sp>
         </mc:Choice>
-        <mc:Fallback>
+        <mc:Fallback xmlns="">
           <p:sp>
             <p:nvSpPr>
               <p:cNvPr id="58" name="TextBox 57">
